--- a/CSE4095S17_Group3.pptx
+++ b/CSE4095S17_Group3.pptx
@@ -5,42 +5,51 @@
     <p:sldMasterId id="2147483659" r:id="rId1"/>
   </p:sldMasterIdLst>
   <p:notesMasterIdLst>
-    <p:notesMasterId r:id="rId13"/>
+    <p:notesMasterId r:id="rId22"/>
   </p:notesMasterIdLst>
   <p:sldIdLst>
     <p:sldId id="256" r:id="rId2"/>
     <p:sldId id="295" r:id="rId3"/>
     <p:sldId id="298" r:id="rId4"/>
     <p:sldId id="286" r:id="rId5"/>
-    <p:sldId id="306" r:id="rId6"/>
-    <p:sldId id="307" r:id="rId7"/>
-    <p:sldId id="308" r:id="rId8"/>
-    <p:sldId id="304" r:id="rId9"/>
-    <p:sldId id="305" r:id="rId10"/>
-    <p:sldId id="303" r:id="rId11"/>
-    <p:sldId id="302" r:id="rId12"/>
+    <p:sldId id="308" r:id="rId6"/>
+    <p:sldId id="309" r:id="rId7"/>
+    <p:sldId id="310" r:id="rId8"/>
+    <p:sldId id="311" r:id="rId9"/>
+    <p:sldId id="312" r:id="rId10"/>
+    <p:sldId id="306" r:id="rId11"/>
+    <p:sldId id="303" r:id="rId12"/>
+    <p:sldId id="302" r:id="rId13"/>
+    <p:sldId id="320" r:id="rId14"/>
+    <p:sldId id="313" r:id="rId15"/>
+    <p:sldId id="314" r:id="rId16"/>
+    <p:sldId id="315" r:id="rId17"/>
+    <p:sldId id="316" r:id="rId18"/>
+    <p:sldId id="317" r:id="rId19"/>
+    <p:sldId id="318" r:id="rId20"/>
+    <p:sldId id="319" r:id="rId21"/>
   </p:sldIdLst>
   <p:sldSz cx="9144000" cy="5143500" type="screen16x9"/>
   <p:notesSz cx="6858000" cy="9144000"/>
   <p:embeddedFontLst>
     <p:embeddedFont>
-      <p:font typeface="Calibri" panose="020F0502020204030204" pitchFamily="34" charset="0"/>
-      <p:regular r:id="rId14"/>
-      <p:bold r:id="rId15"/>
-      <p:italic r:id="rId16"/>
-      <p:boldItalic r:id="rId17"/>
-    </p:embeddedFont>
-    <p:embeddedFont>
       <p:font typeface="Montserrat" panose="020B0604020202020204" charset="0"/>
-      <p:regular r:id="rId18"/>
-      <p:bold r:id="rId19"/>
+      <p:regular r:id="rId23"/>
+      <p:bold r:id="rId24"/>
     </p:embeddedFont>
     <p:embeddedFont>
       <p:font typeface="Roboto" panose="020B0604020202020204" charset="0"/>
-      <p:regular r:id="rId20"/>
-      <p:bold r:id="rId21"/>
-      <p:italic r:id="rId22"/>
-      <p:boldItalic r:id="rId23"/>
+      <p:regular r:id="rId25"/>
+      <p:bold r:id="rId26"/>
+      <p:italic r:id="rId27"/>
+      <p:boldItalic r:id="rId28"/>
+    </p:embeddedFont>
+    <p:embeddedFont>
+      <p:font typeface="Calibri" panose="020F0502020204030204" pitchFamily="34" charset="0"/>
+      <p:regular r:id="rId29"/>
+      <p:bold r:id="rId30"/>
+      <p:italic r:id="rId31"/>
+      <p:boldItalic r:id="rId32"/>
     </p:embeddedFont>
   </p:embeddedFontLst>
   <p:defaultTextStyle>
@@ -251,6 +260,1762 @@
     </p:ext>
   </p:extLst>
 </p:presentation>
+</file>
+
+<file path=ppt/charts/chart1.xml><?xml version="1.0" encoding="utf-8"?>
+<c:chartSpace xmlns:c="http://schemas.openxmlformats.org/drawingml/2006/chart" xmlns:a="http://schemas.openxmlformats.org/drawingml/2006/main" xmlns:r="http://schemas.openxmlformats.org/officeDocument/2006/relationships">
+  <c:date1904 val="0"/>
+  <c:lang val="tr-TR"/>
+  <c:roundedCorners val="0"/>
+  <mc:AlternateContent xmlns:mc="http://schemas.openxmlformats.org/markup-compatibility/2006">
+    <mc:Choice xmlns:c14="http://schemas.microsoft.com/office/drawing/2007/8/2/chart" Requires="c14">
+      <c14:style val="106"/>
+    </mc:Choice>
+    <mc:Fallback>
+      <c:style val="6"/>
+    </mc:Fallback>
+  </mc:AlternateContent>
+  <c:chart>
+    <c:autoTitleDeleted val="1"/>
+    <c:plotArea>
+      <c:layout>
+        <c:manualLayout>
+          <c:layoutTarget val="inner"/>
+          <c:xMode val="edge"/>
+          <c:yMode val="edge"/>
+          <c:x val="0.13487209617188653"/>
+          <c:y val="4.5232493407853173E-2"/>
+          <c:w val="0.86512790382811344"/>
+          <c:h val="0.83493548804132323"/>
+        </c:manualLayout>
+      </c:layout>
+      <c:barChart>
+        <c:barDir val="col"/>
+        <c:grouping val="clustered"/>
+        <c:varyColors val="0"/>
+        <c:ser>
+          <c:idx val="0"/>
+          <c:order val="0"/>
+          <c:tx>
+            <c:strRef>
+              <c:f>Sayfa1!$B$1</c:f>
+              <c:strCache>
+                <c:ptCount val="1"/>
+                <c:pt idx="0">
+                  <c:v>Test-on-Training</c:v>
+                </c:pt>
+              </c:strCache>
+            </c:strRef>
+          </c:tx>
+          <c:spPr>
+            <a:solidFill>
+              <a:srgbClr val="FF9999"/>
+            </a:solidFill>
+            <a:ln>
+              <a:noFill/>
+            </a:ln>
+            <a:effectLst/>
+          </c:spPr>
+          <c:invertIfNegative val="0"/>
+          <c:cat>
+            <c:strRef>
+              <c:f>Sayfa1!$A$2:$A$5</c:f>
+              <c:strCache>
+                <c:ptCount val="4"/>
+                <c:pt idx="0">
+                  <c:v>LR</c:v>
+                </c:pt>
+                <c:pt idx="1">
+                  <c:v>MNB</c:v>
+                </c:pt>
+                <c:pt idx="2">
+                  <c:v>k-NN</c:v>
+                </c:pt>
+                <c:pt idx="3">
+                  <c:v>SVM</c:v>
+                </c:pt>
+              </c:strCache>
+            </c:strRef>
+          </c:cat>
+          <c:val>
+            <c:numRef>
+              <c:f>Sayfa1!$B$2:$B$5</c:f>
+              <c:numCache>
+                <c:formatCode>General</c:formatCode>
+                <c:ptCount val="4"/>
+                <c:pt idx="0">
+                  <c:v>0.84</c:v>
+                </c:pt>
+                <c:pt idx="1">
+                  <c:v>0.87</c:v>
+                </c:pt>
+                <c:pt idx="2">
+                  <c:v>0.73</c:v>
+                </c:pt>
+                <c:pt idx="3">
+                  <c:v>0.59</c:v>
+                </c:pt>
+              </c:numCache>
+            </c:numRef>
+          </c:val>
+          <c:extLst xmlns:c16r2="http://schemas.microsoft.com/office/drawing/2015/06/chart">
+            <c:ext xmlns:c16="http://schemas.microsoft.com/office/drawing/2014/chart" uri="{C3380CC4-5D6E-409C-BE32-E72D297353CC}">
+              <c16:uniqueId val="{00000000-3F7D-44DF-AD2D-C32823810FC8}"/>
+            </c:ext>
+          </c:extLst>
+        </c:ser>
+        <c:ser>
+          <c:idx val="1"/>
+          <c:order val="1"/>
+          <c:tx>
+            <c:strRef>
+              <c:f>Sayfa1!$C$1</c:f>
+              <c:strCache>
+                <c:ptCount val="1"/>
+                <c:pt idx="0">
+                  <c:v>%60 Train-%40 Test</c:v>
+                </c:pt>
+              </c:strCache>
+            </c:strRef>
+          </c:tx>
+          <c:spPr>
+            <a:solidFill>
+              <a:srgbClr val="002060"/>
+            </a:solidFill>
+            <a:ln>
+              <a:noFill/>
+            </a:ln>
+            <a:effectLst/>
+          </c:spPr>
+          <c:invertIfNegative val="0"/>
+          <c:cat>
+            <c:strRef>
+              <c:f>Sayfa1!$A$2:$A$5</c:f>
+              <c:strCache>
+                <c:ptCount val="4"/>
+                <c:pt idx="0">
+                  <c:v>LR</c:v>
+                </c:pt>
+                <c:pt idx="1">
+                  <c:v>MNB</c:v>
+                </c:pt>
+                <c:pt idx="2">
+                  <c:v>k-NN</c:v>
+                </c:pt>
+                <c:pt idx="3">
+                  <c:v>SVM</c:v>
+                </c:pt>
+              </c:strCache>
+            </c:strRef>
+          </c:cat>
+          <c:val>
+            <c:numRef>
+              <c:f>Sayfa1!$C$2:$C$5</c:f>
+              <c:numCache>
+                <c:formatCode>General</c:formatCode>
+                <c:ptCount val="4"/>
+                <c:pt idx="0">
+                  <c:v>0.71</c:v>
+                </c:pt>
+                <c:pt idx="1">
+                  <c:v>0.72</c:v>
+                </c:pt>
+                <c:pt idx="2">
+                  <c:v>0.37</c:v>
+                </c:pt>
+                <c:pt idx="3">
+                  <c:v>0.59</c:v>
+                </c:pt>
+              </c:numCache>
+            </c:numRef>
+          </c:val>
+          <c:extLst xmlns:c16r2="http://schemas.microsoft.com/office/drawing/2015/06/chart">
+            <c:ext xmlns:c16="http://schemas.microsoft.com/office/drawing/2014/chart" uri="{C3380CC4-5D6E-409C-BE32-E72D297353CC}">
+              <c16:uniqueId val="{00000001-3F7D-44DF-AD2D-C32823810FC8}"/>
+            </c:ext>
+          </c:extLst>
+        </c:ser>
+        <c:dLbls>
+          <c:showLegendKey val="0"/>
+          <c:showVal val="0"/>
+          <c:showCatName val="0"/>
+          <c:showSerName val="0"/>
+          <c:showPercent val="0"/>
+          <c:showBubbleSize val="0"/>
+        </c:dLbls>
+        <c:gapWidth val="219"/>
+        <c:axId val="135549216"/>
+        <c:axId val="135545408"/>
+      </c:barChart>
+      <c:catAx>
+        <c:axId val="135549216"/>
+        <c:scaling>
+          <c:orientation val="minMax"/>
+        </c:scaling>
+        <c:delete val="0"/>
+        <c:axPos val="b"/>
+        <c:numFmt formatCode="General" sourceLinked="1"/>
+        <c:majorTickMark val="none"/>
+        <c:minorTickMark val="none"/>
+        <c:tickLblPos val="nextTo"/>
+        <c:spPr>
+          <a:noFill/>
+          <a:ln w="9525" cap="flat" cmpd="sng" algn="ctr">
+            <a:solidFill>
+              <a:schemeClr val="tx1">
+                <a:lumMod val="15000"/>
+                <a:lumOff val="85000"/>
+              </a:schemeClr>
+            </a:solidFill>
+            <a:round/>
+          </a:ln>
+          <a:effectLst/>
+        </c:spPr>
+        <c:txPr>
+          <a:bodyPr rot="-60000000" spcFirstLastPara="1" vertOverflow="ellipsis" vert="horz" wrap="square" anchor="ctr" anchorCtr="1"/>
+          <a:lstStyle/>
+          <a:p>
+            <a:pPr>
+              <a:defRPr sz="3200" b="0" i="0" u="none" strike="noStrike" kern="1200" baseline="0">
+                <a:solidFill>
+                  <a:schemeClr val="tx1">
+                    <a:lumMod val="65000"/>
+                    <a:lumOff val="35000"/>
+                  </a:schemeClr>
+                </a:solidFill>
+                <a:latin typeface="+mn-lt"/>
+                <a:ea typeface="+mn-ea"/>
+                <a:cs typeface="+mn-cs"/>
+              </a:defRPr>
+            </a:pPr>
+            <a:endParaRPr lang="tr-TR"/>
+          </a:p>
+        </c:txPr>
+        <c:crossAx val="135545408"/>
+        <c:crosses val="autoZero"/>
+        <c:auto val="1"/>
+        <c:lblAlgn val="ctr"/>
+        <c:lblOffset val="100"/>
+        <c:noMultiLvlLbl val="0"/>
+      </c:catAx>
+      <c:valAx>
+        <c:axId val="135545408"/>
+        <c:scaling>
+          <c:orientation val="minMax"/>
+        </c:scaling>
+        <c:delete val="0"/>
+        <c:axPos val="l"/>
+        <c:majorGridlines>
+          <c:spPr>
+            <a:ln w="9525" cap="flat" cmpd="sng" algn="ctr">
+              <a:solidFill>
+                <a:schemeClr val="tx1">
+                  <a:lumMod val="15000"/>
+                  <a:lumOff val="85000"/>
+                </a:schemeClr>
+              </a:solidFill>
+              <a:round/>
+            </a:ln>
+            <a:effectLst/>
+          </c:spPr>
+        </c:majorGridlines>
+        <c:numFmt formatCode="General" sourceLinked="1"/>
+        <c:majorTickMark val="none"/>
+        <c:minorTickMark val="none"/>
+        <c:tickLblPos val="nextTo"/>
+        <c:spPr>
+          <a:noFill/>
+          <a:ln>
+            <a:noFill/>
+          </a:ln>
+          <a:effectLst/>
+        </c:spPr>
+        <c:txPr>
+          <a:bodyPr rot="-60000000" spcFirstLastPara="1" vertOverflow="ellipsis" vert="horz" wrap="square" anchor="ctr" anchorCtr="1"/>
+          <a:lstStyle/>
+          <a:p>
+            <a:pPr>
+              <a:defRPr sz="3200" b="0" i="0" u="none" strike="noStrike" kern="1200" baseline="0">
+                <a:solidFill>
+                  <a:schemeClr val="tx1">
+                    <a:lumMod val="65000"/>
+                    <a:lumOff val="35000"/>
+                  </a:schemeClr>
+                </a:solidFill>
+                <a:latin typeface="+mn-lt"/>
+                <a:ea typeface="+mn-ea"/>
+                <a:cs typeface="+mn-cs"/>
+              </a:defRPr>
+            </a:pPr>
+            <a:endParaRPr lang="tr-TR"/>
+          </a:p>
+        </c:txPr>
+        <c:crossAx val="135549216"/>
+        <c:crosses val="autoZero"/>
+        <c:crossBetween val="between"/>
+      </c:valAx>
+      <c:spPr>
+        <a:noFill/>
+        <a:ln>
+          <a:noFill/>
+        </a:ln>
+        <a:effectLst/>
+      </c:spPr>
+    </c:plotArea>
+    <c:legend>
+      <c:legendPos val="t"/>
+      <c:layout>
+        <c:manualLayout>
+          <c:xMode val="edge"/>
+          <c:yMode val="edge"/>
+          <c:x val="0.4538230751702661"/>
+          <c:y val="3.4836011352239502E-2"/>
+          <c:w val="0.54617692482973401"/>
+          <c:h val="0.17994550504113926"/>
+        </c:manualLayout>
+      </c:layout>
+      <c:overlay val="0"/>
+      <c:spPr>
+        <a:noFill/>
+        <a:ln>
+          <a:noFill/>
+        </a:ln>
+        <a:effectLst/>
+      </c:spPr>
+      <c:txPr>
+        <a:bodyPr rot="0" spcFirstLastPara="1" vertOverflow="ellipsis" vert="horz" wrap="square" anchor="ctr" anchorCtr="1"/>
+        <a:lstStyle/>
+        <a:p>
+          <a:pPr>
+            <a:defRPr sz="3000" b="0" i="0" u="none" strike="noStrike" kern="1200" baseline="0">
+              <a:solidFill>
+                <a:schemeClr val="tx1">
+                  <a:lumMod val="65000"/>
+                  <a:lumOff val="35000"/>
+                </a:schemeClr>
+              </a:solidFill>
+              <a:latin typeface="+mn-lt"/>
+              <a:ea typeface="+mn-ea"/>
+              <a:cs typeface="+mn-cs"/>
+            </a:defRPr>
+          </a:pPr>
+          <a:endParaRPr lang="tr-TR"/>
+        </a:p>
+      </c:txPr>
+    </c:legend>
+    <c:plotVisOnly val="1"/>
+    <c:dispBlanksAs val="gap"/>
+    <c:showDLblsOverMax val="0"/>
+  </c:chart>
+  <c:spPr>
+    <a:noFill/>
+    <a:ln>
+      <a:noFill/>
+    </a:ln>
+    <a:effectLst/>
+  </c:spPr>
+  <c:txPr>
+    <a:bodyPr/>
+    <a:lstStyle/>
+    <a:p>
+      <a:pPr>
+        <a:defRPr sz="3200" baseline="0"/>
+      </a:pPr>
+      <a:endParaRPr lang="tr-TR"/>
+    </a:p>
+  </c:txPr>
+  <c:externalData r:id="rId3">
+    <c:autoUpdate val="0"/>
+  </c:externalData>
+</c:chartSpace>
+</file>
+
+<file path=ppt/charts/chart2.xml><?xml version="1.0" encoding="utf-8"?>
+<c:chartSpace xmlns:c="http://schemas.openxmlformats.org/drawingml/2006/chart" xmlns:a="http://schemas.openxmlformats.org/drawingml/2006/main" xmlns:r="http://schemas.openxmlformats.org/officeDocument/2006/relationships">
+  <c:date1904 val="0"/>
+  <c:lang val="tr-TR"/>
+  <c:roundedCorners val="0"/>
+  <mc:AlternateContent xmlns:mc="http://schemas.openxmlformats.org/markup-compatibility/2006">
+    <mc:Choice xmlns:c14="http://schemas.microsoft.com/office/drawing/2007/8/2/chart" Requires="c14">
+      <c14:style val="106"/>
+    </mc:Choice>
+    <mc:Fallback>
+      <c:style val="6"/>
+    </mc:Fallback>
+  </mc:AlternateContent>
+  <c:chart>
+    <c:autoTitleDeleted val="1"/>
+    <c:plotArea>
+      <c:layout>
+        <c:manualLayout>
+          <c:layoutTarget val="inner"/>
+          <c:xMode val="edge"/>
+          <c:yMode val="edge"/>
+          <c:x val="0.14412714585649006"/>
+          <c:y val="4.857928094053076E-2"/>
+          <c:w val="0.92592985497607128"/>
+          <c:h val="0.83493540025950996"/>
+        </c:manualLayout>
+      </c:layout>
+      <c:barChart>
+        <c:barDir val="col"/>
+        <c:grouping val="clustered"/>
+        <c:varyColors val="0"/>
+        <c:ser>
+          <c:idx val="1"/>
+          <c:order val="0"/>
+          <c:tx>
+            <c:strRef>
+              <c:f>Sayfa1!$B$1</c:f>
+              <c:strCache>
+                <c:ptCount val="1"/>
+                <c:pt idx="0">
+                  <c:v>Test-on-Training</c:v>
+                </c:pt>
+              </c:strCache>
+            </c:strRef>
+          </c:tx>
+          <c:spPr>
+            <a:solidFill>
+              <a:srgbClr val="FF9999"/>
+            </a:solidFill>
+            <a:ln>
+              <a:noFill/>
+            </a:ln>
+            <a:effectLst/>
+          </c:spPr>
+          <c:invertIfNegative val="0"/>
+          <c:cat>
+            <c:strRef>
+              <c:f>Sayfa1!$A$2:$A$5</c:f>
+              <c:strCache>
+                <c:ptCount val="4"/>
+                <c:pt idx="0">
+                  <c:v>LR</c:v>
+                </c:pt>
+                <c:pt idx="1">
+                  <c:v>MNB</c:v>
+                </c:pt>
+                <c:pt idx="2">
+                  <c:v>k-NN</c:v>
+                </c:pt>
+                <c:pt idx="3">
+                  <c:v>SVM</c:v>
+                </c:pt>
+              </c:strCache>
+            </c:strRef>
+          </c:cat>
+          <c:val>
+            <c:numRef>
+              <c:f>Sayfa1!$B$2:$B$5</c:f>
+              <c:numCache>
+                <c:formatCode>General</c:formatCode>
+                <c:ptCount val="4"/>
+                <c:pt idx="0">
+                  <c:v>0.7</c:v>
+                </c:pt>
+                <c:pt idx="1">
+                  <c:v>0.35</c:v>
+                </c:pt>
+                <c:pt idx="2">
+                  <c:v>0.65</c:v>
+                </c:pt>
+                <c:pt idx="3">
+                  <c:v>0.54</c:v>
+                </c:pt>
+              </c:numCache>
+            </c:numRef>
+          </c:val>
+          <c:extLst xmlns:c16r2="http://schemas.microsoft.com/office/drawing/2015/06/chart">
+            <c:ext xmlns:c16="http://schemas.microsoft.com/office/drawing/2014/chart" uri="{C3380CC4-5D6E-409C-BE32-E72D297353CC}">
+              <c16:uniqueId val="{00000000-1EF1-4E42-8B14-87B5DCB32A97}"/>
+            </c:ext>
+          </c:extLst>
+        </c:ser>
+        <c:ser>
+          <c:idx val="0"/>
+          <c:order val="1"/>
+          <c:tx>
+            <c:strRef>
+              <c:f>Sayfa1!$C$1</c:f>
+              <c:strCache>
+                <c:ptCount val="1"/>
+                <c:pt idx="0">
+                  <c:v>%60 Train-%40 Test</c:v>
+                </c:pt>
+              </c:strCache>
+            </c:strRef>
+          </c:tx>
+          <c:spPr>
+            <a:solidFill>
+              <a:srgbClr val="002060"/>
+            </a:solidFill>
+            <a:ln>
+              <a:solidFill>
+                <a:srgbClr val="002060"/>
+              </a:solidFill>
+            </a:ln>
+            <a:effectLst/>
+          </c:spPr>
+          <c:invertIfNegative val="0"/>
+          <c:cat>
+            <c:strRef>
+              <c:f>Sayfa1!$A$2:$A$5</c:f>
+              <c:strCache>
+                <c:ptCount val="4"/>
+                <c:pt idx="0">
+                  <c:v>LR</c:v>
+                </c:pt>
+                <c:pt idx="1">
+                  <c:v>MNB</c:v>
+                </c:pt>
+                <c:pt idx="2">
+                  <c:v>k-NN</c:v>
+                </c:pt>
+                <c:pt idx="3">
+                  <c:v>SVM</c:v>
+                </c:pt>
+              </c:strCache>
+            </c:strRef>
+          </c:cat>
+          <c:val>
+            <c:numRef>
+              <c:f>Sayfa1!$C$2:$C$5</c:f>
+              <c:numCache>
+                <c:formatCode>General</c:formatCode>
+                <c:ptCount val="4"/>
+                <c:pt idx="0">
+                  <c:v>0.65</c:v>
+                </c:pt>
+                <c:pt idx="1">
+                  <c:v>0.25</c:v>
+                </c:pt>
+                <c:pt idx="2">
+                  <c:v>0.56000000000000005</c:v>
+                </c:pt>
+                <c:pt idx="3">
+                  <c:v>0.63</c:v>
+                </c:pt>
+              </c:numCache>
+            </c:numRef>
+          </c:val>
+          <c:extLst xmlns:c16r2="http://schemas.microsoft.com/office/drawing/2015/06/chart">
+            <c:ext xmlns:c16="http://schemas.microsoft.com/office/drawing/2014/chart" uri="{C3380CC4-5D6E-409C-BE32-E72D297353CC}">
+              <c16:uniqueId val="{00000001-1EF1-4E42-8B14-87B5DCB32A97}"/>
+            </c:ext>
+          </c:extLst>
+        </c:ser>
+        <c:dLbls>
+          <c:showLegendKey val="0"/>
+          <c:showVal val="0"/>
+          <c:showCatName val="0"/>
+          <c:showSerName val="0"/>
+          <c:showPercent val="0"/>
+          <c:showBubbleSize val="0"/>
+        </c:dLbls>
+        <c:gapWidth val="219"/>
+        <c:axId val="135537792"/>
+        <c:axId val="135538880"/>
+      </c:barChart>
+      <c:catAx>
+        <c:axId val="135537792"/>
+        <c:scaling>
+          <c:orientation val="minMax"/>
+        </c:scaling>
+        <c:delete val="0"/>
+        <c:axPos val="b"/>
+        <c:numFmt formatCode="General" sourceLinked="1"/>
+        <c:majorTickMark val="none"/>
+        <c:minorTickMark val="none"/>
+        <c:tickLblPos val="nextTo"/>
+        <c:spPr>
+          <a:noFill/>
+          <a:ln w="9525" cap="flat" cmpd="sng" algn="ctr">
+            <a:solidFill>
+              <a:schemeClr val="tx1">
+                <a:lumMod val="15000"/>
+                <a:lumOff val="85000"/>
+              </a:schemeClr>
+            </a:solidFill>
+            <a:round/>
+          </a:ln>
+          <a:effectLst/>
+        </c:spPr>
+        <c:txPr>
+          <a:bodyPr rot="-60000000" spcFirstLastPara="1" vertOverflow="ellipsis" vert="horz" wrap="square" anchor="ctr" anchorCtr="1"/>
+          <a:lstStyle/>
+          <a:p>
+            <a:pPr>
+              <a:defRPr sz="3200" b="0" i="0" u="none" strike="noStrike" kern="1200" baseline="0">
+                <a:solidFill>
+                  <a:schemeClr val="tx1">
+                    <a:lumMod val="65000"/>
+                    <a:lumOff val="35000"/>
+                  </a:schemeClr>
+                </a:solidFill>
+                <a:latin typeface="+mn-lt"/>
+                <a:ea typeface="+mn-ea"/>
+                <a:cs typeface="+mn-cs"/>
+              </a:defRPr>
+            </a:pPr>
+            <a:endParaRPr lang="tr-TR"/>
+          </a:p>
+        </c:txPr>
+        <c:crossAx val="135538880"/>
+        <c:crosses val="autoZero"/>
+        <c:auto val="1"/>
+        <c:lblAlgn val="ctr"/>
+        <c:lblOffset val="100"/>
+        <c:noMultiLvlLbl val="0"/>
+      </c:catAx>
+      <c:valAx>
+        <c:axId val="135538880"/>
+        <c:scaling>
+          <c:orientation val="minMax"/>
+        </c:scaling>
+        <c:delete val="0"/>
+        <c:axPos val="l"/>
+        <c:majorGridlines>
+          <c:spPr>
+            <a:ln w="9525" cap="flat" cmpd="sng" algn="ctr">
+              <a:solidFill>
+                <a:schemeClr val="tx1">
+                  <a:lumMod val="15000"/>
+                  <a:lumOff val="85000"/>
+                </a:schemeClr>
+              </a:solidFill>
+              <a:round/>
+            </a:ln>
+            <a:effectLst/>
+          </c:spPr>
+        </c:majorGridlines>
+        <c:numFmt formatCode="General" sourceLinked="1"/>
+        <c:majorTickMark val="none"/>
+        <c:minorTickMark val="none"/>
+        <c:tickLblPos val="nextTo"/>
+        <c:spPr>
+          <a:noFill/>
+          <a:ln>
+            <a:noFill/>
+          </a:ln>
+          <a:effectLst/>
+        </c:spPr>
+        <c:txPr>
+          <a:bodyPr rot="-60000000" spcFirstLastPara="1" vertOverflow="ellipsis" vert="horz" wrap="square" anchor="ctr" anchorCtr="1"/>
+          <a:lstStyle/>
+          <a:p>
+            <a:pPr>
+              <a:defRPr sz="3200" b="0" i="0" u="none" strike="noStrike" kern="1200" baseline="0">
+                <a:solidFill>
+                  <a:schemeClr val="tx1">
+                    <a:lumMod val="65000"/>
+                    <a:lumOff val="35000"/>
+                  </a:schemeClr>
+                </a:solidFill>
+                <a:latin typeface="+mn-lt"/>
+                <a:ea typeface="+mn-ea"/>
+                <a:cs typeface="+mn-cs"/>
+              </a:defRPr>
+            </a:pPr>
+            <a:endParaRPr lang="tr-TR"/>
+          </a:p>
+        </c:txPr>
+        <c:crossAx val="135537792"/>
+        <c:crosses val="autoZero"/>
+        <c:crossBetween val="between"/>
+      </c:valAx>
+      <c:spPr>
+        <a:noFill/>
+        <a:ln>
+          <a:noFill/>
+        </a:ln>
+        <a:effectLst/>
+      </c:spPr>
+    </c:plotArea>
+    <c:legend>
+      <c:legendPos val="t"/>
+      <c:layout>
+        <c:manualLayout>
+          <c:xMode val="edge"/>
+          <c:yMode val="edge"/>
+          <c:x val="0.47016194129319094"/>
+          <c:y val="2.2830036490307931E-3"/>
+          <c:w val="0.52286226042332495"/>
+          <c:h val="0.20776797943833014"/>
+        </c:manualLayout>
+      </c:layout>
+      <c:overlay val="0"/>
+      <c:spPr>
+        <a:noFill/>
+        <a:ln>
+          <a:noFill/>
+        </a:ln>
+        <a:effectLst/>
+      </c:spPr>
+      <c:txPr>
+        <a:bodyPr rot="0" spcFirstLastPara="1" vertOverflow="ellipsis" vert="horz" wrap="square" anchor="ctr" anchorCtr="1"/>
+        <a:lstStyle/>
+        <a:p>
+          <a:pPr>
+            <a:defRPr sz="3000" b="0" i="0" u="none" strike="noStrike" kern="1200" baseline="0">
+              <a:solidFill>
+                <a:schemeClr val="tx1">
+                  <a:lumMod val="65000"/>
+                  <a:lumOff val="35000"/>
+                </a:schemeClr>
+              </a:solidFill>
+              <a:latin typeface="+mn-lt"/>
+              <a:ea typeface="+mn-ea"/>
+              <a:cs typeface="+mn-cs"/>
+            </a:defRPr>
+          </a:pPr>
+          <a:endParaRPr lang="tr-TR"/>
+        </a:p>
+      </c:txPr>
+    </c:legend>
+    <c:plotVisOnly val="1"/>
+    <c:dispBlanksAs val="gap"/>
+    <c:showDLblsOverMax val="0"/>
+  </c:chart>
+  <c:spPr>
+    <a:noFill/>
+    <a:ln>
+      <a:noFill/>
+    </a:ln>
+    <a:effectLst/>
+  </c:spPr>
+  <c:txPr>
+    <a:bodyPr/>
+    <a:lstStyle/>
+    <a:p>
+      <a:pPr>
+        <a:defRPr sz="3200" baseline="0"/>
+      </a:pPr>
+      <a:endParaRPr lang="tr-TR"/>
+    </a:p>
+  </c:txPr>
+  <c:externalData r:id="rId3">
+    <c:autoUpdate val="0"/>
+  </c:externalData>
+</c:chartSpace>
+</file>
+
+<file path=ppt/charts/colors1.xml><?xml version="1.0" encoding="utf-8"?>
+<cs:colorStyle xmlns:cs="http://schemas.microsoft.com/office/drawing/2012/chartStyle" xmlns:a="http://schemas.openxmlformats.org/drawingml/2006/main" meth="withinLinear" id="17">
+  <a:schemeClr val="accent4"/>
+</cs:colorStyle>
+</file>
+
+<file path=ppt/charts/colors2.xml><?xml version="1.0" encoding="utf-8"?>
+<cs:colorStyle xmlns:cs="http://schemas.microsoft.com/office/drawing/2012/chartStyle" xmlns:a="http://schemas.openxmlformats.org/drawingml/2006/main" meth="withinLinear" id="17">
+  <a:schemeClr val="accent4"/>
+</cs:colorStyle>
+</file>
+
+<file path=ppt/charts/style1.xml><?xml version="1.0" encoding="utf-8"?>
+<cs:chartStyle xmlns:cs="http://schemas.microsoft.com/office/drawing/2012/chartStyle" xmlns:a="http://schemas.openxmlformats.org/drawingml/2006/main" id="201">
+  <cs:axisTitle>
+    <cs:lnRef idx="0"/>
+    <cs:fillRef idx="0"/>
+    <cs:effectRef idx="0"/>
+    <cs:fontRef idx="minor">
+      <a:schemeClr val="tx1">
+        <a:lumMod val="65000"/>
+        <a:lumOff val="35000"/>
+      </a:schemeClr>
+    </cs:fontRef>
+    <cs:defRPr sz="1330" kern="1200"/>
+  </cs:axisTitle>
+  <cs:categoryAxis>
+    <cs:lnRef idx="0"/>
+    <cs:fillRef idx="0"/>
+    <cs:effectRef idx="0"/>
+    <cs:fontRef idx="minor">
+      <a:schemeClr val="tx1">
+        <a:lumMod val="65000"/>
+        <a:lumOff val="35000"/>
+      </a:schemeClr>
+    </cs:fontRef>
+    <cs:spPr>
+      <a:ln w="9525" cap="flat" cmpd="sng" algn="ctr">
+        <a:solidFill>
+          <a:schemeClr val="tx1">
+            <a:lumMod val="15000"/>
+            <a:lumOff val="85000"/>
+          </a:schemeClr>
+        </a:solidFill>
+        <a:round/>
+      </a:ln>
+    </cs:spPr>
+    <cs:defRPr sz="1197" kern="1200"/>
+  </cs:categoryAxis>
+  <cs:chartArea mods="allowNoFillOverride allowNoLineOverride">
+    <cs:lnRef idx="0"/>
+    <cs:fillRef idx="0"/>
+    <cs:effectRef idx="0"/>
+    <cs:fontRef idx="minor">
+      <a:schemeClr val="tx1"/>
+    </cs:fontRef>
+    <cs:spPr>
+      <a:solidFill>
+        <a:schemeClr val="bg1"/>
+      </a:solidFill>
+      <a:ln w="9525" cap="flat" cmpd="sng" algn="ctr">
+        <a:solidFill>
+          <a:schemeClr val="tx1">
+            <a:lumMod val="15000"/>
+            <a:lumOff val="85000"/>
+          </a:schemeClr>
+        </a:solidFill>
+        <a:round/>
+      </a:ln>
+    </cs:spPr>
+    <cs:defRPr sz="1330" kern="1200"/>
+  </cs:chartArea>
+  <cs:dataLabel>
+    <cs:lnRef idx="0"/>
+    <cs:fillRef idx="0"/>
+    <cs:effectRef idx="0"/>
+    <cs:fontRef idx="minor">
+      <a:schemeClr val="tx1">
+        <a:lumMod val="75000"/>
+        <a:lumOff val="25000"/>
+      </a:schemeClr>
+    </cs:fontRef>
+    <cs:defRPr sz="1197" kern="1200"/>
+  </cs:dataLabel>
+  <cs:dataLabelCallout>
+    <cs:lnRef idx="0"/>
+    <cs:fillRef idx="0"/>
+    <cs:effectRef idx="0"/>
+    <cs:fontRef idx="minor">
+      <a:schemeClr val="dk1">
+        <a:lumMod val="65000"/>
+        <a:lumOff val="35000"/>
+      </a:schemeClr>
+    </cs:fontRef>
+    <cs:spPr>
+      <a:solidFill>
+        <a:schemeClr val="lt1"/>
+      </a:solidFill>
+      <a:ln>
+        <a:solidFill>
+          <a:schemeClr val="dk1">
+            <a:lumMod val="25000"/>
+            <a:lumOff val="75000"/>
+          </a:schemeClr>
+        </a:solidFill>
+      </a:ln>
+    </cs:spPr>
+    <cs:defRPr sz="1197" kern="1200"/>
+    <cs:bodyPr rot="0" spcFirstLastPara="1" vertOverflow="clip" horzOverflow="clip" vert="horz" wrap="square" lIns="36576" tIns="18288" rIns="36576" bIns="18288" anchor="ctr" anchorCtr="1">
+      <a:spAutoFit/>
+    </cs:bodyPr>
+  </cs:dataLabelCallout>
+  <cs:dataPoint>
+    <cs:lnRef idx="0"/>
+    <cs:fillRef idx="1">
+      <cs:styleClr val="auto"/>
+    </cs:fillRef>
+    <cs:effectRef idx="0"/>
+    <cs:fontRef idx="minor">
+      <a:schemeClr val="tx1"/>
+    </cs:fontRef>
+  </cs:dataPoint>
+  <cs:dataPoint3D>
+    <cs:lnRef idx="0"/>
+    <cs:fillRef idx="1">
+      <cs:styleClr val="auto"/>
+    </cs:fillRef>
+    <cs:effectRef idx="0"/>
+    <cs:fontRef idx="minor">
+      <a:schemeClr val="tx1"/>
+    </cs:fontRef>
+  </cs:dataPoint3D>
+  <cs:dataPointLine>
+    <cs:lnRef idx="0">
+      <cs:styleClr val="auto"/>
+    </cs:lnRef>
+    <cs:fillRef idx="1"/>
+    <cs:effectRef idx="0"/>
+    <cs:fontRef idx="minor">
+      <a:schemeClr val="tx1"/>
+    </cs:fontRef>
+    <cs:spPr>
+      <a:ln w="28575" cap="rnd">
+        <a:solidFill>
+          <a:schemeClr val="phClr"/>
+        </a:solidFill>
+        <a:round/>
+      </a:ln>
+    </cs:spPr>
+  </cs:dataPointLine>
+  <cs:dataPointMarker>
+    <cs:lnRef idx="0">
+      <cs:styleClr val="auto"/>
+    </cs:lnRef>
+    <cs:fillRef idx="1">
+      <cs:styleClr val="auto"/>
+    </cs:fillRef>
+    <cs:effectRef idx="0"/>
+    <cs:fontRef idx="minor">
+      <a:schemeClr val="tx1"/>
+    </cs:fontRef>
+    <cs:spPr>
+      <a:ln w="9525">
+        <a:solidFill>
+          <a:schemeClr val="phClr"/>
+        </a:solidFill>
+      </a:ln>
+    </cs:spPr>
+  </cs:dataPointMarker>
+  <cs:dataPointMarkerLayout symbol="circle" size="5"/>
+  <cs:dataPointWireframe>
+    <cs:lnRef idx="0">
+      <cs:styleClr val="auto"/>
+    </cs:lnRef>
+    <cs:fillRef idx="1"/>
+    <cs:effectRef idx="0"/>
+    <cs:fontRef idx="minor">
+      <a:schemeClr val="tx1"/>
+    </cs:fontRef>
+    <cs:spPr>
+      <a:ln w="9525" cap="rnd">
+        <a:solidFill>
+          <a:schemeClr val="phClr"/>
+        </a:solidFill>
+        <a:round/>
+      </a:ln>
+    </cs:spPr>
+  </cs:dataPointWireframe>
+  <cs:dataTable>
+    <cs:lnRef idx="0"/>
+    <cs:fillRef idx="0"/>
+    <cs:effectRef idx="0"/>
+    <cs:fontRef idx="minor">
+      <a:schemeClr val="tx1">
+        <a:lumMod val="65000"/>
+        <a:lumOff val="35000"/>
+      </a:schemeClr>
+    </cs:fontRef>
+    <cs:spPr>
+      <a:noFill/>
+      <a:ln w="9525" cap="flat" cmpd="sng" algn="ctr">
+        <a:solidFill>
+          <a:schemeClr val="tx1">
+            <a:lumMod val="15000"/>
+            <a:lumOff val="85000"/>
+          </a:schemeClr>
+        </a:solidFill>
+        <a:round/>
+      </a:ln>
+    </cs:spPr>
+    <cs:defRPr sz="1197" kern="1200"/>
+  </cs:dataTable>
+  <cs:downBar>
+    <cs:lnRef idx="0"/>
+    <cs:fillRef idx="0"/>
+    <cs:effectRef idx="0"/>
+    <cs:fontRef idx="minor">
+      <a:schemeClr val="dk1"/>
+    </cs:fontRef>
+    <cs:spPr>
+      <a:solidFill>
+        <a:schemeClr val="dk1">
+          <a:lumMod val="65000"/>
+          <a:lumOff val="35000"/>
+        </a:schemeClr>
+      </a:solidFill>
+      <a:ln w="9525">
+        <a:solidFill>
+          <a:schemeClr val="tx1">
+            <a:lumMod val="65000"/>
+            <a:lumOff val="35000"/>
+          </a:schemeClr>
+        </a:solidFill>
+      </a:ln>
+    </cs:spPr>
+  </cs:downBar>
+  <cs:dropLine>
+    <cs:lnRef idx="0"/>
+    <cs:fillRef idx="0"/>
+    <cs:effectRef idx="0"/>
+    <cs:fontRef idx="minor">
+      <a:schemeClr val="tx1"/>
+    </cs:fontRef>
+    <cs:spPr>
+      <a:ln w="9525" cap="flat" cmpd="sng" algn="ctr">
+        <a:solidFill>
+          <a:schemeClr val="tx1">
+            <a:lumMod val="35000"/>
+            <a:lumOff val="65000"/>
+          </a:schemeClr>
+        </a:solidFill>
+        <a:round/>
+      </a:ln>
+    </cs:spPr>
+  </cs:dropLine>
+  <cs:errorBar>
+    <cs:lnRef idx="0"/>
+    <cs:fillRef idx="0"/>
+    <cs:effectRef idx="0"/>
+    <cs:fontRef idx="minor">
+      <a:schemeClr val="tx1"/>
+    </cs:fontRef>
+    <cs:spPr>
+      <a:ln w="9525" cap="flat" cmpd="sng" algn="ctr">
+        <a:solidFill>
+          <a:schemeClr val="tx1">
+            <a:lumMod val="65000"/>
+            <a:lumOff val="35000"/>
+          </a:schemeClr>
+        </a:solidFill>
+        <a:round/>
+      </a:ln>
+    </cs:spPr>
+  </cs:errorBar>
+  <cs:floor>
+    <cs:lnRef idx="0"/>
+    <cs:fillRef idx="0"/>
+    <cs:effectRef idx="0"/>
+    <cs:fontRef idx="minor">
+      <a:schemeClr val="tx1"/>
+    </cs:fontRef>
+    <cs:spPr>
+      <a:noFill/>
+      <a:ln>
+        <a:noFill/>
+      </a:ln>
+    </cs:spPr>
+  </cs:floor>
+  <cs:gridlineMajor>
+    <cs:lnRef idx="0"/>
+    <cs:fillRef idx="0"/>
+    <cs:effectRef idx="0"/>
+    <cs:fontRef idx="minor">
+      <a:schemeClr val="tx1"/>
+    </cs:fontRef>
+    <cs:spPr>
+      <a:ln w="9525" cap="flat" cmpd="sng" algn="ctr">
+        <a:solidFill>
+          <a:schemeClr val="tx1">
+            <a:lumMod val="15000"/>
+            <a:lumOff val="85000"/>
+          </a:schemeClr>
+        </a:solidFill>
+        <a:round/>
+      </a:ln>
+    </cs:spPr>
+  </cs:gridlineMajor>
+  <cs:gridlineMinor>
+    <cs:lnRef idx="0"/>
+    <cs:fillRef idx="0"/>
+    <cs:effectRef idx="0"/>
+    <cs:fontRef idx="minor">
+      <a:schemeClr val="tx1"/>
+    </cs:fontRef>
+    <cs:spPr>
+      <a:ln w="9525" cap="flat" cmpd="sng" algn="ctr">
+        <a:solidFill>
+          <a:schemeClr val="tx1">
+            <a:lumMod val="5000"/>
+            <a:lumOff val="95000"/>
+          </a:schemeClr>
+        </a:solidFill>
+        <a:round/>
+      </a:ln>
+    </cs:spPr>
+  </cs:gridlineMinor>
+  <cs:hiLoLine>
+    <cs:lnRef idx="0"/>
+    <cs:fillRef idx="0"/>
+    <cs:effectRef idx="0"/>
+    <cs:fontRef idx="minor">
+      <a:schemeClr val="tx1"/>
+    </cs:fontRef>
+    <cs:spPr>
+      <a:ln w="9525" cap="flat" cmpd="sng" algn="ctr">
+        <a:solidFill>
+          <a:schemeClr val="tx1">
+            <a:lumMod val="75000"/>
+            <a:lumOff val="25000"/>
+          </a:schemeClr>
+        </a:solidFill>
+        <a:round/>
+      </a:ln>
+    </cs:spPr>
+  </cs:hiLoLine>
+  <cs:leaderLine>
+    <cs:lnRef idx="0"/>
+    <cs:fillRef idx="0"/>
+    <cs:effectRef idx="0"/>
+    <cs:fontRef idx="minor">
+      <a:schemeClr val="tx1"/>
+    </cs:fontRef>
+    <cs:spPr>
+      <a:ln w="9525" cap="flat" cmpd="sng" algn="ctr">
+        <a:solidFill>
+          <a:schemeClr val="tx1">
+            <a:lumMod val="35000"/>
+            <a:lumOff val="65000"/>
+          </a:schemeClr>
+        </a:solidFill>
+        <a:round/>
+      </a:ln>
+    </cs:spPr>
+  </cs:leaderLine>
+  <cs:legend>
+    <cs:lnRef idx="0"/>
+    <cs:fillRef idx="0"/>
+    <cs:effectRef idx="0"/>
+    <cs:fontRef idx="minor">
+      <a:schemeClr val="tx1">
+        <a:lumMod val="65000"/>
+        <a:lumOff val="35000"/>
+      </a:schemeClr>
+    </cs:fontRef>
+    <cs:defRPr sz="1197" kern="1200"/>
+  </cs:legend>
+  <cs:plotArea mods="allowNoFillOverride allowNoLineOverride">
+    <cs:lnRef idx="0"/>
+    <cs:fillRef idx="0"/>
+    <cs:effectRef idx="0"/>
+    <cs:fontRef idx="minor">
+      <a:schemeClr val="tx1"/>
+    </cs:fontRef>
+  </cs:plotArea>
+  <cs:plotArea3D mods="allowNoFillOverride allowNoLineOverride">
+    <cs:lnRef idx="0"/>
+    <cs:fillRef idx="0"/>
+    <cs:effectRef idx="0"/>
+    <cs:fontRef idx="minor">
+      <a:schemeClr val="tx1"/>
+    </cs:fontRef>
+  </cs:plotArea3D>
+  <cs:seriesAxis>
+    <cs:lnRef idx="0"/>
+    <cs:fillRef idx="0"/>
+    <cs:effectRef idx="0"/>
+    <cs:fontRef idx="minor">
+      <a:schemeClr val="tx1">
+        <a:lumMod val="65000"/>
+        <a:lumOff val="35000"/>
+      </a:schemeClr>
+    </cs:fontRef>
+    <cs:defRPr sz="1197" kern="1200"/>
+  </cs:seriesAxis>
+  <cs:seriesLine>
+    <cs:lnRef idx="0"/>
+    <cs:fillRef idx="0"/>
+    <cs:effectRef idx="0"/>
+    <cs:fontRef idx="minor">
+      <a:schemeClr val="tx1"/>
+    </cs:fontRef>
+    <cs:spPr>
+      <a:ln w="9525" cap="flat" cmpd="sng" algn="ctr">
+        <a:solidFill>
+          <a:schemeClr val="tx1">
+            <a:lumMod val="35000"/>
+            <a:lumOff val="65000"/>
+          </a:schemeClr>
+        </a:solidFill>
+        <a:round/>
+      </a:ln>
+    </cs:spPr>
+  </cs:seriesLine>
+  <cs:title>
+    <cs:lnRef idx="0"/>
+    <cs:fillRef idx="0"/>
+    <cs:effectRef idx="0"/>
+    <cs:fontRef idx="minor">
+      <a:schemeClr val="tx1">
+        <a:lumMod val="65000"/>
+        <a:lumOff val="35000"/>
+      </a:schemeClr>
+    </cs:fontRef>
+    <cs:defRPr sz="1862" b="0" kern="1200" spc="0" baseline="0"/>
+  </cs:title>
+  <cs:trendline>
+    <cs:lnRef idx="0">
+      <cs:styleClr val="auto"/>
+    </cs:lnRef>
+    <cs:fillRef idx="0"/>
+    <cs:effectRef idx="0"/>
+    <cs:fontRef idx="minor">
+      <a:schemeClr val="tx1"/>
+    </cs:fontRef>
+    <cs:spPr>
+      <a:ln w="19050" cap="rnd">
+        <a:solidFill>
+          <a:schemeClr val="phClr"/>
+        </a:solidFill>
+        <a:prstDash val="sysDot"/>
+      </a:ln>
+    </cs:spPr>
+  </cs:trendline>
+  <cs:trendlineLabel>
+    <cs:lnRef idx="0"/>
+    <cs:fillRef idx="0"/>
+    <cs:effectRef idx="0"/>
+    <cs:fontRef idx="minor">
+      <a:schemeClr val="tx1">
+        <a:lumMod val="65000"/>
+        <a:lumOff val="35000"/>
+      </a:schemeClr>
+    </cs:fontRef>
+    <cs:defRPr sz="1197" kern="1200"/>
+  </cs:trendlineLabel>
+  <cs:upBar>
+    <cs:lnRef idx="0"/>
+    <cs:fillRef idx="0"/>
+    <cs:effectRef idx="0"/>
+    <cs:fontRef idx="minor">
+      <a:schemeClr val="dk1"/>
+    </cs:fontRef>
+    <cs:spPr>
+      <a:solidFill>
+        <a:schemeClr val="lt1"/>
+      </a:solidFill>
+      <a:ln w="9525">
+        <a:solidFill>
+          <a:schemeClr val="tx1">
+            <a:lumMod val="15000"/>
+            <a:lumOff val="85000"/>
+          </a:schemeClr>
+        </a:solidFill>
+      </a:ln>
+    </cs:spPr>
+  </cs:upBar>
+  <cs:valueAxis>
+    <cs:lnRef idx="0"/>
+    <cs:fillRef idx="0"/>
+    <cs:effectRef idx="0"/>
+    <cs:fontRef idx="minor">
+      <a:schemeClr val="tx1">
+        <a:lumMod val="65000"/>
+        <a:lumOff val="35000"/>
+      </a:schemeClr>
+    </cs:fontRef>
+    <cs:defRPr sz="1197" kern="1200"/>
+  </cs:valueAxis>
+  <cs:wall>
+    <cs:lnRef idx="0"/>
+    <cs:fillRef idx="0"/>
+    <cs:effectRef idx="0"/>
+    <cs:fontRef idx="minor">
+      <a:schemeClr val="tx1"/>
+    </cs:fontRef>
+    <cs:spPr>
+      <a:noFill/>
+      <a:ln>
+        <a:noFill/>
+      </a:ln>
+    </cs:spPr>
+  </cs:wall>
+</cs:chartStyle>
+</file>
+
+<file path=ppt/charts/style2.xml><?xml version="1.0" encoding="utf-8"?>
+<cs:chartStyle xmlns:cs="http://schemas.microsoft.com/office/drawing/2012/chartStyle" xmlns:a="http://schemas.openxmlformats.org/drawingml/2006/main" id="201">
+  <cs:axisTitle>
+    <cs:lnRef idx="0"/>
+    <cs:fillRef idx="0"/>
+    <cs:effectRef idx="0"/>
+    <cs:fontRef idx="minor">
+      <a:schemeClr val="tx1">
+        <a:lumMod val="65000"/>
+        <a:lumOff val="35000"/>
+      </a:schemeClr>
+    </cs:fontRef>
+    <cs:defRPr sz="1330" kern="1200"/>
+  </cs:axisTitle>
+  <cs:categoryAxis>
+    <cs:lnRef idx="0"/>
+    <cs:fillRef idx="0"/>
+    <cs:effectRef idx="0"/>
+    <cs:fontRef idx="minor">
+      <a:schemeClr val="tx1">
+        <a:lumMod val="65000"/>
+        <a:lumOff val="35000"/>
+      </a:schemeClr>
+    </cs:fontRef>
+    <cs:spPr>
+      <a:ln w="9525" cap="flat" cmpd="sng" algn="ctr">
+        <a:solidFill>
+          <a:schemeClr val="tx1">
+            <a:lumMod val="15000"/>
+            <a:lumOff val="85000"/>
+          </a:schemeClr>
+        </a:solidFill>
+        <a:round/>
+      </a:ln>
+    </cs:spPr>
+    <cs:defRPr sz="1197" kern="1200"/>
+  </cs:categoryAxis>
+  <cs:chartArea mods="allowNoFillOverride allowNoLineOverride">
+    <cs:lnRef idx="0"/>
+    <cs:fillRef idx="0"/>
+    <cs:effectRef idx="0"/>
+    <cs:fontRef idx="minor">
+      <a:schemeClr val="tx1"/>
+    </cs:fontRef>
+    <cs:spPr>
+      <a:solidFill>
+        <a:schemeClr val="bg1"/>
+      </a:solidFill>
+      <a:ln w="9525" cap="flat" cmpd="sng" algn="ctr">
+        <a:solidFill>
+          <a:schemeClr val="tx1">
+            <a:lumMod val="15000"/>
+            <a:lumOff val="85000"/>
+          </a:schemeClr>
+        </a:solidFill>
+        <a:round/>
+      </a:ln>
+    </cs:spPr>
+    <cs:defRPr sz="1330" kern="1200"/>
+  </cs:chartArea>
+  <cs:dataLabel>
+    <cs:lnRef idx="0"/>
+    <cs:fillRef idx="0"/>
+    <cs:effectRef idx="0"/>
+    <cs:fontRef idx="minor">
+      <a:schemeClr val="tx1">
+        <a:lumMod val="75000"/>
+        <a:lumOff val="25000"/>
+      </a:schemeClr>
+    </cs:fontRef>
+    <cs:defRPr sz="1197" kern="1200"/>
+  </cs:dataLabel>
+  <cs:dataLabelCallout>
+    <cs:lnRef idx="0"/>
+    <cs:fillRef idx="0"/>
+    <cs:effectRef idx="0"/>
+    <cs:fontRef idx="minor">
+      <a:schemeClr val="dk1">
+        <a:lumMod val="65000"/>
+        <a:lumOff val="35000"/>
+      </a:schemeClr>
+    </cs:fontRef>
+    <cs:spPr>
+      <a:solidFill>
+        <a:schemeClr val="lt1"/>
+      </a:solidFill>
+      <a:ln>
+        <a:solidFill>
+          <a:schemeClr val="dk1">
+            <a:lumMod val="25000"/>
+            <a:lumOff val="75000"/>
+          </a:schemeClr>
+        </a:solidFill>
+      </a:ln>
+    </cs:spPr>
+    <cs:defRPr sz="1197" kern="1200"/>
+    <cs:bodyPr rot="0" spcFirstLastPara="1" vertOverflow="clip" horzOverflow="clip" vert="horz" wrap="square" lIns="36576" tIns="18288" rIns="36576" bIns="18288" anchor="ctr" anchorCtr="1">
+      <a:spAutoFit/>
+    </cs:bodyPr>
+  </cs:dataLabelCallout>
+  <cs:dataPoint>
+    <cs:lnRef idx="0"/>
+    <cs:fillRef idx="1">
+      <cs:styleClr val="auto"/>
+    </cs:fillRef>
+    <cs:effectRef idx="0"/>
+    <cs:fontRef idx="minor">
+      <a:schemeClr val="tx1"/>
+    </cs:fontRef>
+  </cs:dataPoint>
+  <cs:dataPoint3D>
+    <cs:lnRef idx="0"/>
+    <cs:fillRef idx="1">
+      <cs:styleClr val="auto"/>
+    </cs:fillRef>
+    <cs:effectRef idx="0"/>
+    <cs:fontRef idx="minor">
+      <a:schemeClr val="tx1"/>
+    </cs:fontRef>
+  </cs:dataPoint3D>
+  <cs:dataPointLine>
+    <cs:lnRef idx="0">
+      <cs:styleClr val="auto"/>
+    </cs:lnRef>
+    <cs:fillRef idx="1"/>
+    <cs:effectRef idx="0"/>
+    <cs:fontRef idx="minor">
+      <a:schemeClr val="tx1"/>
+    </cs:fontRef>
+    <cs:spPr>
+      <a:ln w="28575" cap="rnd">
+        <a:solidFill>
+          <a:schemeClr val="phClr"/>
+        </a:solidFill>
+        <a:round/>
+      </a:ln>
+    </cs:spPr>
+  </cs:dataPointLine>
+  <cs:dataPointMarker>
+    <cs:lnRef idx="0">
+      <cs:styleClr val="auto"/>
+    </cs:lnRef>
+    <cs:fillRef idx="1">
+      <cs:styleClr val="auto"/>
+    </cs:fillRef>
+    <cs:effectRef idx="0"/>
+    <cs:fontRef idx="minor">
+      <a:schemeClr val="tx1"/>
+    </cs:fontRef>
+    <cs:spPr>
+      <a:ln w="9525">
+        <a:solidFill>
+          <a:schemeClr val="phClr"/>
+        </a:solidFill>
+      </a:ln>
+    </cs:spPr>
+  </cs:dataPointMarker>
+  <cs:dataPointMarkerLayout symbol="circle" size="5"/>
+  <cs:dataPointWireframe>
+    <cs:lnRef idx="0">
+      <cs:styleClr val="auto"/>
+    </cs:lnRef>
+    <cs:fillRef idx="1"/>
+    <cs:effectRef idx="0"/>
+    <cs:fontRef idx="minor">
+      <a:schemeClr val="tx1"/>
+    </cs:fontRef>
+    <cs:spPr>
+      <a:ln w="9525" cap="rnd">
+        <a:solidFill>
+          <a:schemeClr val="phClr"/>
+        </a:solidFill>
+        <a:round/>
+      </a:ln>
+    </cs:spPr>
+  </cs:dataPointWireframe>
+  <cs:dataTable>
+    <cs:lnRef idx="0"/>
+    <cs:fillRef idx="0"/>
+    <cs:effectRef idx="0"/>
+    <cs:fontRef idx="minor">
+      <a:schemeClr val="tx1">
+        <a:lumMod val="65000"/>
+        <a:lumOff val="35000"/>
+      </a:schemeClr>
+    </cs:fontRef>
+    <cs:spPr>
+      <a:noFill/>
+      <a:ln w="9525" cap="flat" cmpd="sng" algn="ctr">
+        <a:solidFill>
+          <a:schemeClr val="tx1">
+            <a:lumMod val="15000"/>
+            <a:lumOff val="85000"/>
+          </a:schemeClr>
+        </a:solidFill>
+        <a:round/>
+      </a:ln>
+    </cs:spPr>
+    <cs:defRPr sz="1197" kern="1200"/>
+  </cs:dataTable>
+  <cs:downBar>
+    <cs:lnRef idx="0"/>
+    <cs:fillRef idx="0"/>
+    <cs:effectRef idx="0"/>
+    <cs:fontRef idx="minor">
+      <a:schemeClr val="dk1"/>
+    </cs:fontRef>
+    <cs:spPr>
+      <a:solidFill>
+        <a:schemeClr val="dk1">
+          <a:lumMod val="65000"/>
+          <a:lumOff val="35000"/>
+        </a:schemeClr>
+      </a:solidFill>
+      <a:ln w="9525">
+        <a:solidFill>
+          <a:schemeClr val="tx1">
+            <a:lumMod val="65000"/>
+            <a:lumOff val="35000"/>
+          </a:schemeClr>
+        </a:solidFill>
+      </a:ln>
+    </cs:spPr>
+  </cs:downBar>
+  <cs:dropLine>
+    <cs:lnRef idx="0"/>
+    <cs:fillRef idx="0"/>
+    <cs:effectRef idx="0"/>
+    <cs:fontRef idx="minor">
+      <a:schemeClr val="tx1"/>
+    </cs:fontRef>
+    <cs:spPr>
+      <a:ln w="9525" cap="flat" cmpd="sng" algn="ctr">
+        <a:solidFill>
+          <a:schemeClr val="tx1">
+            <a:lumMod val="35000"/>
+            <a:lumOff val="65000"/>
+          </a:schemeClr>
+        </a:solidFill>
+        <a:round/>
+      </a:ln>
+    </cs:spPr>
+  </cs:dropLine>
+  <cs:errorBar>
+    <cs:lnRef idx="0"/>
+    <cs:fillRef idx="0"/>
+    <cs:effectRef idx="0"/>
+    <cs:fontRef idx="minor">
+      <a:schemeClr val="tx1"/>
+    </cs:fontRef>
+    <cs:spPr>
+      <a:ln w="9525" cap="flat" cmpd="sng" algn="ctr">
+        <a:solidFill>
+          <a:schemeClr val="tx1">
+            <a:lumMod val="65000"/>
+            <a:lumOff val="35000"/>
+          </a:schemeClr>
+        </a:solidFill>
+        <a:round/>
+      </a:ln>
+    </cs:spPr>
+  </cs:errorBar>
+  <cs:floor>
+    <cs:lnRef idx="0"/>
+    <cs:fillRef idx="0"/>
+    <cs:effectRef idx="0"/>
+    <cs:fontRef idx="minor">
+      <a:schemeClr val="tx1"/>
+    </cs:fontRef>
+    <cs:spPr>
+      <a:noFill/>
+      <a:ln>
+        <a:noFill/>
+      </a:ln>
+    </cs:spPr>
+  </cs:floor>
+  <cs:gridlineMajor>
+    <cs:lnRef idx="0"/>
+    <cs:fillRef idx="0"/>
+    <cs:effectRef idx="0"/>
+    <cs:fontRef idx="minor">
+      <a:schemeClr val="tx1"/>
+    </cs:fontRef>
+    <cs:spPr>
+      <a:ln w="9525" cap="flat" cmpd="sng" algn="ctr">
+        <a:solidFill>
+          <a:schemeClr val="tx1">
+            <a:lumMod val="15000"/>
+            <a:lumOff val="85000"/>
+          </a:schemeClr>
+        </a:solidFill>
+        <a:round/>
+      </a:ln>
+    </cs:spPr>
+  </cs:gridlineMajor>
+  <cs:gridlineMinor>
+    <cs:lnRef idx="0"/>
+    <cs:fillRef idx="0"/>
+    <cs:effectRef idx="0"/>
+    <cs:fontRef idx="minor">
+      <a:schemeClr val="tx1"/>
+    </cs:fontRef>
+    <cs:spPr>
+      <a:ln w="9525" cap="flat" cmpd="sng" algn="ctr">
+        <a:solidFill>
+          <a:schemeClr val="tx1">
+            <a:lumMod val="5000"/>
+            <a:lumOff val="95000"/>
+          </a:schemeClr>
+        </a:solidFill>
+        <a:round/>
+      </a:ln>
+    </cs:spPr>
+  </cs:gridlineMinor>
+  <cs:hiLoLine>
+    <cs:lnRef idx="0"/>
+    <cs:fillRef idx="0"/>
+    <cs:effectRef idx="0"/>
+    <cs:fontRef idx="minor">
+      <a:schemeClr val="tx1"/>
+    </cs:fontRef>
+    <cs:spPr>
+      <a:ln w="9525" cap="flat" cmpd="sng" algn="ctr">
+        <a:solidFill>
+          <a:schemeClr val="tx1">
+            <a:lumMod val="75000"/>
+            <a:lumOff val="25000"/>
+          </a:schemeClr>
+        </a:solidFill>
+        <a:round/>
+      </a:ln>
+    </cs:spPr>
+  </cs:hiLoLine>
+  <cs:leaderLine>
+    <cs:lnRef idx="0"/>
+    <cs:fillRef idx="0"/>
+    <cs:effectRef idx="0"/>
+    <cs:fontRef idx="minor">
+      <a:schemeClr val="tx1"/>
+    </cs:fontRef>
+    <cs:spPr>
+      <a:ln w="9525" cap="flat" cmpd="sng" algn="ctr">
+        <a:solidFill>
+          <a:schemeClr val="tx1">
+            <a:lumMod val="35000"/>
+            <a:lumOff val="65000"/>
+          </a:schemeClr>
+        </a:solidFill>
+        <a:round/>
+      </a:ln>
+    </cs:spPr>
+  </cs:leaderLine>
+  <cs:legend>
+    <cs:lnRef idx="0"/>
+    <cs:fillRef idx="0"/>
+    <cs:effectRef idx="0"/>
+    <cs:fontRef idx="minor">
+      <a:schemeClr val="tx1">
+        <a:lumMod val="65000"/>
+        <a:lumOff val="35000"/>
+      </a:schemeClr>
+    </cs:fontRef>
+    <cs:defRPr sz="1197" kern="1200"/>
+  </cs:legend>
+  <cs:plotArea mods="allowNoFillOverride allowNoLineOverride">
+    <cs:lnRef idx="0"/>
+    <cs:fillRef idx="0"/>
+    <cs:effectRef idx="0"/>
+    <cs:fontRef idx="minor">
+      <a:schemeClr val="tx1"/>
+    </cs:fontRef>
+  </cs:plotArea>
+  <cs:plotArea3D mods="allowNoFillOverride allowNoLineOverride">
+    <cs:lnRef idx="0"/>
+    <cs:fillRef idx="0"/>
+    <cs:effectRef idx="0"/>
+    <cs:fontRef idx="minor">
+      <a:schemeClr val="tx1"/>
+    </cs:fontRef>
+  </cs:plotArea3D>
+  <cs:seriesAxis>
+    <cs:lnRef idx="0"/>
+    <cs:fillRef idx="0"/>
+    <cs:effectRef idx="0"/>
+    <cs:fontRef idx="minor">
+      <a:schemeClr val="tx1">
+        <a:lumMod val="65000"/>
+        <a:lumOff val="35000"/>
+      </a:schemeClr>
+    </cs:fontRef>
+    <cs:defRPr sz="1197" kern="1200"/>
+  </cs:seriesAxis>
+  <cs:seriesLine>
+    <cs:lnRef idx="0"/>
+    <cs:fillRef idx="0"/>
+    <cs:effectRef idx="0"/>
+    <cs:fontRef idx="minor">
+      <a:schemeClr val="tx1"/>
+    </cs:fontRef>
+    <cs:spPr>
+      <a:ln w="9525" cap="flat" cmpd="sng" algn="ctr">
+        <a:solidFill>
+          <a:schemeClr val="tx1">
+            <a:lumMod val="35000"/>
+            <a:lumOff val="65000"/>
+          </a:schemeClr>
+        </a:solidFill>
+        <a:round/>
+      </a:ln>
+    </cs:spPr>
+  </cs:seriesLine>
+  <cs:title>
+    <cs:lnRef idx="0"/>
+    <cs:fillRef idx="0"/>
+    <cs:effectRef idx="0"/>
+    <cs:fontRef idx="minor">
+      <a:schemeClr val="tx1">
+        <a:lumMod val="65000"/>
+        <a:lumOff val="35000"/>
+      </a:schemeClr>
+    </cs:fontRef>
+    <cs:defRPr sz="1862" b="0" kern="1200" spc="0" baseline="0"/>
+  </cs:title>
+  <cs:trendline>
+    <cs:lnRef idx="0">
+      <cs:styleClr val="auto"/>
+    </cs:lnRef>
+    <cs:fillRef idx="0"/>
+    <cs:effectRef idx="0"/>
+    <cs:fontRef idx="minor">
+      <a:schemeClr val="tx1"/>
+    </cs:fontRef>
+    <cs:spPr>
+      <a:ln w="19050" cap="rnd">
+        <a:solidFill>
+          <a:schemeClr val="phClr"/>
+        </a:solidFill>
+        <a:prstDash val="sysDot"/>
+      </a:ln>
+    </cs:spPr>
+  </cs:trendline>
+  <cs:trendlineLabel>
+    <cs:lnRef idx="0"/>
+    <cs:fillRef idx="0"/>
+    <cs:effectRef idx="0"/>
+    <cs:fontRef idx="minor">
+      <a:schemeClr val="tx1">
+        <a:lumMod val="65000"/>
+        <a:lumOff val="35000"/>
+      </a:schemeClr>
+    </cs:fontRef>
+    <cs:defRPr sz="1197" kern="1200"/>
+  </cs:trendlineLabel>
+  <cs:upBar>
+    <cs:lnRef idx="0"/>
+    <cs:fillRef idx="0"/>
+    <cs:effectRef idx="0"/>
+    <cs:fontRef idx="minor">
+      <a:schemeClr val="dk1"/>
+    </cs:fontRef>
+    <cs:spPr>
+      <a:solidFill>
+        <a:schemeClr val="lt1"/>
+      </a:solidFill>
+      <a:ln w="9525">
+        <a:solidFill>
+          <a:schemeClr val="tx1">
+            <a:lumMod val="15000"/>
+            <a:lumOff val="85000"/>
+          </a:schemeClr>
+        </a:solidFill>
+      </a:ln>
+    </cs:spPr>
+  </cs:upBar>
+  <cs:valueAxis>
+    <cs:lnRef idx="0"/>
+    <cs:fillRef idx="0"/>
+    <cs:effectRef idx="0"/>
+    <cs:fontRef idx="minor">
+      <a:schemeClr val="tx1">
+        <a:lumMod val="65000"/>
+        <a:lumOff val="35000"/>
+      </a:schemeClr>
+    </cs:fontRef>
+    <cs:defRPr sz="1197" kern="1200"/>
+  </cs:valueAxis>
+  <cs:wall>
+    <cs:lnRef idx="0"/>
+    <cs:fillRef idx="0"/>
+    <cs:effectRef idx="0"/>
+    <cs:fontRef idx="minor">
+      <a:schemeClr val="tx1"/>
+    </cs:fontRef>
+    <cs:spPr>
+      <a:noFill/>
+      <a:ln>
+        <a:noFill/>
+      </a:ln>
+    </cs:spPr>
+  </cs:wall>
+</cs:chartStyle>
 </file>
 
 <file path=ppt/notesMasters/notesMaster1.xml><?xml version="1.0" encoding="utf-8"?>
@@ -2047,35 +3812,9 @@
   <p:cSld>
     <p:bg>
       <p:bgPr>
-        <a:gradFill>
-          <a:gsLst>
-            <a:gs pos="0">
-              <a:schemeClr val="accent1">
-                <a:lumMod val="5000"/>
-                <a:lumOff val="95000"/>
-              </a:schemeClr>
-            </a:gs>
-            <a:gs pos="74000">
-              <a:schemeClr val="accent1">
-                <a:lumMod val="45000"/>
-                <a:lumOff val="55000"/>
-              </a:schemeClr>
-            </a:gs>
-            <a:gs pos="83000">
-              <a:schemeClr val="accent1">
-                <a:lumMod val="45000"/>
-                <a:lumOff val="55000"/>
-              </a:schemeClr>
-            </a:gs>
-            <a:gs pos="100000">
-              <a:schemeClr val="accent1">
-                <a:lumMod val="30000"/>
-                <a:lumOff val="70000"/>
-              </a:schemeClr>
-            </a:gs>
-          </a:gsLst>
-          <a:lin ang="5400000" scaled="1"/>
-        </a:gradFill>
+        <a:solidFill>
+          <a:srgbClr val="CCF6F8"/>
+        </a:solidFill>
         <a:effectLst/>
       </p:bgPr>
     </p:bg>
@@ -2360,7 +4099,16 @@
                 </a:solidFill>
                 <a:latin typeface="Calibri" panose="020F0502020204030204" pitchFamily="34" charset="0"/>
               </a:rPr>
-              <a:t>ENTITY RECOGNITION SYSTEM FOR NOISY TURKISH </a:t>
+              <a:t>ENTITY RECOGNITION SYSTEM FOR </a:t>
+            </a:r>
+            <a:r>
+              <a:rPr lang="tr-TR" sz="3200" dirty="0" smtClean="0">
+                <a:solidFill>
+                  <a:srgbClr val="000066"/>
+                </a:solidFill>
+                <a:latin typeface="Calibri" panose="020F0502020204030204" pitchFamily="34" charset="0"/>
+              </a:rPr>
+              <a:t>TURKISH </a:t>
             </a:r>
             <a:r>
               <a:rPr lang="tr-TR" sz="3200" dirty="0" smtClean="0">
@@ -2537,6 +4285,14 @@
 <file path=ppt/slides/slide10.xml><?xml version="1.0" encoding="utf-8"?>
 <p:sld xmlns:a="http://schemas.openxmlformats.org/drawingml/2006/main" xmlns:r="http://schemas.openxmlformats.org/officeDocument/2006/relationships" xmlns:p="http://schemas.openxmlformats.org/presentationml/2006/main">
   <p:cSld>
+    <p:bg>
+      <p:bgPr>
+        <a:solidFill>
+          <a:srgbClr val="CCF6F8"/>
+        </a:solidFill>
+        <a:effectLst/>
+      </p:bgPr>
+    </p:bg>
     <p:spTree>
       <p:nvGrpSpPr>
         <p:cNvPr id="1" name=""/>
@@ -2576,7 +4332,57 @@
               <a:rPr lang="en" smtClean="0"/>
               <a:t>10</a:t>
             </a:fld>
-            <a:endParaRPr lang="en"/>
+            <a:endParaRPr lang="en" dirty="0"/>
+          </a:p>
+        </p:txBody>
+      </p:sp>
+      <p:sp>
+        <p:nvSpPr>
+          <p:cNvPr id="4" name="Metin kutusu 3"/>
+          <p:cNvSpPr txBox="1"/>
+          <p:nvPr/>
+        </p:nvSpPr>
+        <p:spPr>
+          <a:xfrm>
+            <a:off x="437741" y="1863987"/>
+            <a:ext cx="7448764" cy="400110"/>
+          </a:xfrm>
+          <a:prstGeom prst="rect">
+            <a:avLst/>
+          </a:prstGeom>
+          <a:noFill/>
+        </p:spPr>
+        <p:txBody>
+          <a:bodyPr wrap="square" rtlCol="0">
+            <a:spAutoFit/>
+          </a:bodyPr>
+          <a:lstStyle/>
+          <a:p>
+            <a:r>
+              <a:rPr lang="tr-TR" sz="2000" b="1" dirty="0" err="1" smtClean="0">
+                <a:latin typeface="Calibri" panose="020F0502020204030204" pitchFamily="34" charset="0"/>
+                <a:cs typeface="Calibri" panose="020F0502020204030204" pitchFamily="34" charset="0"/>
+              </a:rPr>
+              <a:t>Feature</a:t>
+            </a:r>
+            <a:r>
+              <a:rPr lang="tr-TR" sz="2000" b="1" dirty="0" smtClean="0">
+                <a:latin typeface="Calibri" panose="020F0502020204030204" pitchFamily="34" charset="0"/>
+                <a:cs typeface="Calibri" panose="020F0502020204030204" pitchFamily="34" charset="0"/>
+              </a:rPr>
+              <a:t> </a:t>
+            </a:r>
+            <a:r>
+              <a:rPr lang="tr-TR" sz="2000" b="1" dirty="0" err="1" smtClean="0">
+                <a:latin typeface="Calibri" panose="020F0502020204030204" pitchFamily="34" charset="0"/>
+                <a:cs typeface="Calibri" panose="020F0502020204030204" pitchFamily="34" charset="0"/>
+              </a:rPr>
+              <a:t>Selection</a:t>
+            </a:r>
+            <a:endParaRPr lang="tr-TR" sz="2000" b="1" dirty="0">
+              <a:latin typeface="Calibri" panose="020F0502020204030204" pitchFamily="34" charset="0"/>
+              <a:cs typeface="Calibri" panose="020F0502020204030204" pitchFamily="34" charset="0"/>
+            </a:endParaRPr>
           </a:p>
         </p:txBody>
       </p:sp>
@@ -2589,21 +4395,15 @@
           <p:nvPr/>
         </p:nvPicPr>
         <p:blipFill>
-          <a:blip r:embed="rId2">
-            <a:extLst>
-              <a:ext uri="{28A0092B-C50C-407E-A947-70E740481C1C}">
-                <a14:useLocalDpi xmlns:a14="http://schemas.microsoft.com/office/drawing/2010/main" val="0"/>
-              </a:ext>
-            </a:extLst>
-          </a:blip>
+          <a:blip r:embed="rId2"/>
           <a:stretch>
             <a:fillRect/>
           </a:stretch>
         </p:blipFill>
         <p:spPr>
           <a:xfrm>
-            <a:off x="2080044" y="449396"/>
-            <a:ext cx="4983912" cy="4244708"/>
+            <a:off x="3063586" y="146024"/>
+            <a:ext cx="4499350" cy="4806976"/>
           </a:xfrm>
           <a:prstGeom prst="rect">
             <a:avLst/>
@@ -2613,7 +4413,7 @@
     </p:spTree>
     <p:extLst>
       <p:ext uri="{BB962C8B-B14F-4D97-AF65-F5344CB8AC3E}">
-        <p14:creationId xmlns:p14="http://schemas.microsoft.com/office/powerpoint/2010/main" val="1523185315"/>
+        <p14:creationId xmlns:p14="http://schemas.microsoft.com/office/powerpoint/2010/main" val="1866745009"/>
       </p:ext>
     </p:extLst>
   </p:cSld>
@@ -2633,6 +4433,14 @@
 <file path=ppt/slides/slide11.xml><?xml version="1.0" encoding="utf-8"?>
 <p:sld xmlns:a="http://schemas.openxmlformats.org/drawingml/2006/main" xmlns:r="http://schemas.openxmlformats.org/officeDocument/2006/relationships" xmlns:p="http://schemas.openxmlformats.org/presentationml/2006/main">
   <p:cSld>
+    <p:bg>
+      <p:bgPr>
+        <a:solidFill>
+          <a:srgbClr val="CCF6F8"/>
+        </a:solidFill>
+        <a:effectLst/>
+      </p:bgPr>
+    </p:bg>
     <p:spTree>
       <p:nvGrpSpPr>
         <p:cNvPr id="1" name=""/>
@@ -2698,6 +4506,110 @@
         </p:blipFill>
         <p:spPr>
           <a:xfrm>
+            <a:off x="2080044" y="449396"/>
+            <a:ext cx="4983912" cy="4244708"/>
+          </a:xfrm>
+          <a:prstGeom prst="rect">
+            <a:avLst/>
+          </a:prstGeom>
+        </p:spPr>
+      </p:pic>
+    </p:spTree>
+    <p:extLst>
+      <p:ext uri="{BB962C8B-B14F-4D97-AF65-F5344CB8AC3E}">
+        <p14:creationId xmlns:p14="http://schemas.microsoft.com/office/powerpoint/2010/main" val="1523185315"/>
+      </p:ext>
+    </p:extLst>
+  </p:cSld>
+  <p:clrMapOvr>
+    <a:masterClrMapping/>
+  </p:clrMapOvr>
+  <p:timing>
+    <p:tnLst>
+      <p:par>
+        <p:cTn id="1" dur="indefinite" restart="never" nodeType="tmRoot"/>
+      </p:par>
+    </p:tnLst>
+  </p:timing>
+</p:sld>
+</file>
+
+<file path=ppt/slides/slide12.xml><?xml version="1.0" encoding="utf-8"?>
+<p:sld xmlns:a="http://schemas.openxmlformats.org/drawingml/2006/main" xmlns:r="http://schemas.openxmlformats.org/officeDocument/2006/relationships" xmlns:p="http://schemas.openxmlformats.org/presentationml/2006/main">
+  <p:cSld>
+    <p:bg>
+      <p:bgPr>
+        <a:solidFill>
+          <a:srgbClr val="CCF6F8"/>
+        </a:solidFill>
+        <a:effectLst/>
+      </p:bgPr>
+    </p:bg>
+    <p:spTree>
+      <p:nvGrpSpPr>
+        <p:cNvPr id="1" name=""/>
+        <p:cNvGrpSpPr/>
+        <p:nvPr/>
+      </p:nvGrpSpPr>
+      <p:grpSpPr>
+        <a:xfrm>
+          <a:off x="0" y="0"/>
+          <a:ext cx="0" cy="0"/>
+          <a:chOff x="0" y="0"/>
+          <a:chExt cx="0" cy="0"/>
+        </a:xfrm>
+      </p:grpSpPr>
+      <p:sp>
+        <p:nvSpPr>
+          <p:cNvPr id="2" name="Slide Number Placeholder 1"/>
+          <p:cNvSpPr>
+            <a:spLocks noGrp="1"/>
+          </p:cNvSpPr>
+          <p:nvPr>
+            <p:ph type="sldNum" idx="12"/>
+          </p:nvPr>
+        </p:nvSpPr>
+        <p:spPr/>
+        <p:txBody>
+          <a:bodyPr/>
+          <a:lstStyle/>
+          <a:p>
+            <a:pPr lvl="0" rtl="0">
+              <a:spcBef>
+                <a:spcPts val="0"/>
+              </a:spcBef>
+              <a:buNone/>
+            </a:pPr>
+            <a:fld id="{00000000-1234-1234-1234-123412341234}" type="slidenum">
+              <a:rPr lang="en" smtClean="0"/>
+              <a:t>12</a:t>
+            </a:fld>
+            <a:endParaRPr lang="en"/>
+          </a:p>
+        </p:txBody>
+      </p:sp>
+      <p:pic>
+        <p:nvPicPr>
+          <p:cNvPr id="3" name="Picture 2"/>
+          <p:cNvPicPr>
+            <a:picLocks noChangeAspect="1"/>
+          </p:cNvPicPr>
+          <p:nvPr/>
+        </p:nvPicPr>
+        <p:blipFill>
+          <a:blip r:embed="rId2">
+            <a:extLst>
+              <a:ext uri="{28A0092B-C50C-407E-A947-70E740481C1C}">
+                <a14:useLocalDpi xmlns:a14="http://schemas.microsoft.com/office/drawing/2010/main" val="0"/>
+              </a:ext>
+            </a:extLst>
+          </a:blip>
+          <a:stretch>
+            <a:fillRect/>
+          </a:stretch>
+        </p:blipFill>
+        <p:spPr>
+          <a:xfrm>
             <a:off x="2141009" y="498930"/>
             <a:ext cx="4861981" cy="4145639"/>
           </a:xfrm>
@@ -2726,9 +4638,1424 @@
 </p:sld>
 </file>
 
+<file path=ppt/slides/slide13.xml><?xml version="1.0" encoding="utf-8"?>
+<p:sld xmlns:a="http://schemas.openxmlformats.org/drawingml/2006/main" xmlns:r="http://schemas.openxmlformats.org/officeDocument/2006/relationships" xmlns:p="http://schemas.openxmlformats.org/presentationml/2006/main">
+  <p:cSld>
+    <p:bg>
+      <p:bgPr>
+        <a:solidFill>
+          <a:srgbClr val="CCF6F8"/>
+        </a:solidFill>
+        <a:effectLst/>
+      </p:bgPr>
+    </p:bg>
+    <p:spTree>
+      <p:nvGrpSpPr>
+        <p:cNvPr id="1" name=""/>
+        <p:cNvGrpSpPr/>
+        <p:nvPr/>
+      </p:nvGrpSpPr>
+      <p:grpSpPr>
+        <a:xfrm>
+          <a:off x="0" y="0"/>
+          <a:ext cx="0" cy="0"/>
+          <a:chOff x="0" y="0"/>
+          <a:chExt cx="0" cy="0"/>
+        </a:xfrm>
+      </p:grpSpPr>
+      <p:sp>
+        <p:nvSpPr>
+          <p:cNvPr id="2" name="Slide Number Placeholder 1"/>
+          <p:cNvSpPr>
+            <a:spLocks noGrp="1"/>
+          </p:cNvSpPr>
+          <p:nvPr>
+            <p:ph type="sldNum" idx="12"/>
+          </p:nvPr>
+        </p:nvSpPr>
+        <p:spPr/>
+        <p:txBody>
+          <a:bodyPr/>
+          <a:lstStyle/>
+          <a:p>
+            <a:pPr lvl="0" rtl="0">
+              <a:spcBef>
+                <a:spcPts val="0"/>
+              </a:spcBef>
+              <a:buNone/>
+            </a:pPr>
+            <a:fld id="{00000000-1234-1234-1234-123412341234}" type="slidenum">
+              <a:rPr lang="en" smtClean="0"/>
+              <a:t>13</a:t>
+            </a:fld>
+            <a:endParaRPr lang="en"/>
+          </a:p>
+        </p:txBody>
+      </p:sp>
+      <p:sp>
+        <p:nvSpPr>
+          <p:cNvPr id="4" name="Metin kutusu 3"/>
+          <p:cNvSpPr txBox="1"/>
+          <p:nvPr/>
+        </p:nvSpPr>
+        <p:spPr>
+          <a:xfrm>
+            <a:off x="1140431" y="400691"/>
+            <a:ext cx="6051479" cy="3816429"/>
+          </a:xfrm>
+          <a:prstGeom prst="rect">
+            <a:avLst/>
+          </a:prstGeom>
+          <a:noFill/>
+        </p:spPr>
+        <p:txBody>
+          <a:bodyPr wrap="square" rtlCol="0">
+            <a:spAutoFit/>
+          </a:bodyPr>
+          <a:lstStyle/>
+          <a:p>
+            <a:pPr algn="ctr"/>
+            <a:r>
+              <a:rPr lang="tr-TR" sz="2000" b="1" dirty="0" err="1" smtClean="0"/>
+              <a:t>Used</a:t>
+            </a:r>
+            <a:r>
+              <a:rPr lang="tr-TR" sz="2000" b="1" dirty="0" smtClean="0"/>
+              <a:t> </a:t>
+            </a:r>
+            <a:r>
+              <a:rPr lang="tr-TR" sz="2000" b="1" dirty="0" err="1" smtClean="0"/>
+              <a:t>Algorithms</a:t>
+            </a:r>
+            <a:endParaRPr lang="tr-TR" sz="2000" b="1" dirty="0" smtClean="0"/>
+          </a:p>
+          <a:p>
+            <a:endParaRPr lang="tr-TR" dirty="0"/>
+          </a:p>
+          <a:p>
+            <a:endParaRPr lang="tr-TR" dirty="0" smtClean="0"/>
+          </a:p>
+          <a:p>
+            <a:endParaRPr lang="tr-TR" dirty="0" smtClean="0"/>
+          </a:p>
+          <a:p>
+            <a:pPr marL="285750" lvl="4" indent="-285750">
+              <a:buFont typeface="Arial" panose="020B0604020202020204" pitchFamily="34" charset="0"/>
+              <a:buChar char="•"/>
+            </a:pPr>
+            <a:r>
+              <a:rPr lang="tr-TR" sz="1800" dirty="0" err="1" smtClean="0"/>
+              <a:t>Logistic</a:t>
+            </a:r>
+            <a:r>
+              <a:rPr lang="tr-TR" sz="1800" dirty="0" smtClean="0"/>
+              <a:t> </a:t>
+            </a:r>
+            <a:r>
+              <a:rPr lang="tr-TR" sz="1800" dirty="0" err="1" smtClean="0"/>
+              <a:t>Regression</a:t>
+            </a:r>
+            <a:r>
+              <a:rPr lang="tr-TR" sz="1800" dirty="0" smtClean="0"/>
+              <a:t> (LR)</a:t>
+            </a:r>
+          </a:p>
+          <a:p>
+            <a:pPr marL="285750" lvl="2" indent="-285750">
+              <a:buFont typeface="Arial" panose="020B0604020202020204" pitchFamily="34" charset="0"/>
+              <a:buChar char="•"/>
+            </a:pPr>
+            <a:r>
+              <a:rPr lang="tr-TR" sz="1800" dirty="0" err="1" smtClean="0"/>
+              <a:t>Multinomial</a:t>
+            </a:r>
+            <a:r>
+              <a:rPr lang="tr-TR" sz="1800" dirty="0" smtClean="0"/>
+              <a:t> </a:t>
+            </a:r>
+            <a:r>
+              <a:rPr lang="tr-TR" sz="1800" dirty="0" err="1" smtClean="0"/>
+              <a:t>Naive</a:t>
+            </a:r>
+            <a:r>
+              <a:rPr lang="tr-TR" sz="1800" dirty="0" smtClean="0"/>
+              <a:t> </a:t>
+            </a:r>
+            <a:r>
+              <a:rPr lang="tr-TR" sz="1800" dirty="0" err="1" smtClean="0"/>
+              <a:t>Bayes</a:t>
+            </a:r>
+            <a:r>
+              <a:rPr lang="tr-TR" sz="1800" dirty="0" smtClean="0"/>
+              <a:t> (MNB)</a:t>
+            </a:r>
+          </a:p>
+          <a:p>
+            <a:pPr marL="285750" lvl="2" indent="-285750">
+              <a:buFont typeface="Arial" panose="020B0604020202020204" pitchFamily="34" charset="0"/>
+              <a:buChar char="•"/>
+            </a:pPr>
+            <a:r>
+              <a:rPr lang="tr-TR" sz="1800" dirty="0" smtClean="0"/>
+              <a:t>k-</a:t>
+            </a:r>
+            <a:r>
+              <a:rPr lang="tr-TR" sz="1800" dirty="0" err="1" smtClean="0"/>
+              <a:t>Nearest</a:t>
+            </a:r>
+            <a:r>
+              <a:rPr lang="tr-TR" sz="1800" dirty="0" smtClean="0"/>
+              <a:t> </a:t>
+            </a:r>
+            <a:r>
+              <a:rPr lang="tr-TR" sz="1800" dirty="0" err="1" smtClean="0"/>
+              <a:t>Neighbors</a:t>
+            </a:r>
+            <a:r>
+              <a:rPr lang="tr-TR" sz="1800" dirty="0" smtClean="0"/>
+              <a:t> (k-NN)</a:t>
+            </a:r>
+          </a:p>
+          <a:p>
+            <a:pPr marL="285750" lvl="2" indent="-285750">
+              <a:buFont typeface="Arial" panose="020B0604020202020204" pitchFamily="34" charset="0"/>
+              <a:buChar char="•"/>
+            </a:pPr>
+            <a:r>
+              <a:rPr lang="tr-TR" sz="1800" dirty="0" err="1" smtClean="0"/>
+              <a:t>Support</a:t>
+            </a:r>
+            <a:r>
+              <a:rPr lang="tr-TR" sz="1800" dirty="0" smtClean="0"/>
+              <a:t> </a:t>
+            </a:r>
+            <a:r>
+              <a:rPr lang="tr-TR" sz="1800" dirty="0" err="1" smtClean="0"/>
+              <a:t>Vector</a:t>
+            </a:r>
+            <a:r>
+              <a:rPr lang="tr-TR" sz="1800" dirty="0" smtClean="0"/>
+              <a:t> Machine  (SVM)</a:t>
+            </a:r>
+          </a:p>
+          <a:p>
+            <a:pPr marL="285750" lvl="2" indent="-285750">
+              <a:buFont typeface="Arial" panose="020B0604020202020204" pitchFamily="34" charset="0"/>
+              <a:buChar char="•"/>
+            </a:pPr>
+            <a:r>
+              <a:rPr lang="tr-TR" sz="1800" dirty="0" err="1" smtClean="0"/>
+              <a:t>Gauissian</a:t>
+            </a:r>
+            <a:r>
+              <a:rPr lang="tr-TR" sz="1800" dirty="0" smtClean="0"/>
+              <a:t> NB</a:t>
+            </a:r>
+          </a:p>
+          <a:p>
+            <a:pPr marL="285750" lvl="2" indent="-285750">
+              <a:buFont typeface="Arial" panose="020B0604020202020204" pitchFamily="34" charset="0"/>
+              <a:buChar char="•"/>
+            </a:pPr>
+            <a:r>
+              <a:rPr lang="tr-TR" sz="1800" dirty="0" err="1" smtClean="0"/>
+              <a:t>Bernoulli</a:t>
+            </a:r>
+            <a:r>
+              <a:rPr lang="tr-TR" sz="1800" dirty="0" smtClean="0"/>
+              <a:t> NB</a:t>
+            </a:r>
+          </a:p>
+          <a:p>
+            <a:pPr marL="285750" lvl="2" indent="-285750">
+              <a:buFont typeface="Arial" panose="020B0604020202020204" pitchFamily="34" charset="0"/>
+              <a:buChar char="•"/>
+            </a:pPr>
+            <a:r>
+              <a:rPr lang="tr-TR" sz="1800" dirty="0" err="1" smtClean="0"/>
+              <a:t>Extra</a:t>
+            </a:r>
+            <a:r>
+              <a:rPr lang="tr-TR" sz="1800" dirty="0" smtClean="0"/>
+              <a:t> </a:t>
+            </a:r>
+            <a:r>
+              <a:rPr lang="tr-TR" sz="1800" dirty="0" err="1" smtClean="0"/>
+              <a:t>Tree</a:t>
+            </a:r>
+            <a:r>
+              <a:rPr lang="tr-TR" sz="1800" dirty="0" smtClean="0"/>
+              <a:t> </a:t>
+            </a:r>
+            <a:r>
+              <a:rPr lang="tr-TR" sz="1800" dirty="0" err="1" smtClean="0"/>
+              <a:t>Classifier</a:t>
+            </a:r>
+            <a:endParaRPr lang="tr-TR" sz="1800" dirty="0" smtClean="0"/>
+          </a:p>
+          <a:p>
+            <a:pPr marL="285750" lvl="2" indent="-285750">
+              <a:buFont typeface="Arial" panose="020B0604020202020204" pitchFamily="34" charset="0"/>
+              <a:buChar char="•"/>
+            </a:pPr>
+            <a:r>
+              <a:rPr lang="tr-TR" sz="1800" dirty="0" err="1" smtClean="0"/>
+              <a:t>DecisionTree</a:t>
+            </a:r>
+            <a:r>
+              <a:rPr lang="tr-TR" sz="1800" dirty="0" smtClean="0"/>
+              <a:t> </a:t>
+            </a:r>
+            <a:r>
+              <a:rPr lang="tr-TR" sz="1800" dirty="0" err="1" smtClean="0"/>
+              <a:t>Classifier</a:t>
+            </a:r>
+            <a:endParaRPr lang="tr-TR" sz="1800" dirty="0" smtClean="0"/>
+          </a:p>
+          <a:p>
+            <a:pPr marL="285750" lvl="2" indent="-285750">
+              <a:buFont typeface="Arial" panose="020B0604020202020204" pitchFamily="34" charset="0"/>
+              <a:buChar char="•"/>
+            </a:pPr>
+            <a:r>
+              <a:rPr lang="tr-TR" sz="1800" dirty="0" smtClean="0"/>
+              <a:t>SVC(</a:t>
+            </a:r>
+            <a:r>
+              <a:rPr lang="tr-TR" sz="1800" dirty="0" err="1" smtClean="0"/>
+              <a:t>kernel</a:t>
+            </a:r>
+            <a:r>
+              <a:rPr lang="tr-TR" sz="1800" dirty="0" smtClean="0"/>
+              <a:t>=‘</a:t>
+            </a:r>
+            <a:r>
+              <a:rPr lang="tr-TR" sz="1800" dirty="0" err="1" smtClean="0"/>
+              <a:t>linear</a:t>
+            </a:r>
+            <a:r>
+              <a:rPr lang="tr-TR" sz="1800" dirty="0" smtClean="0"/>
+              <a:t>’)</a:t>
+            </a:r>
+          </a:p>
+          <a:p>
+            <a:pPr marL="285750" lvl="2" indent="-285750">
+              <a:buFont typeface="Arial" panose="020B0604020202020204" pitchFamily="34" charset="0"/>
+              <a:buChar char="•"/>
+            </a:pPr>
+            <a:endParaRPr lang="tr-TR" sz="1800" dirty="0"/>
+          </a:p>
+        </p:txBody>
+      </p:sp>
+    </p:spTree>
+    <p:extLst>
+      <p:ext uri="{BB962C8B-B14F-4D97-AF65-F5344CB8AC3E}">
+        <p14:creationId xmlns:p14="http://schemas.microsoft.com/office/powerpoint/2010/main" val="4255506326"/>
+      </p:ext>
+    </p:extLst>
+  </p:cSld>
+  <p:clrMapOvr>
+    <a:masterClrMapping/>
+  </p:clrMapOvr>
+  <p:timing>
+    <p:tnLst>
+      <p:par>
+        <p:cTn id="1" dur="indefinite" restart="never" nodeType="tmRoot"/>
+      </p:par>
+    </p:tnLst>
+  </p:timing>
+</p:sld>
+</file>
+
+<file path=ppt/slides/slide14.xml><?xml version="1.0" encoding="utf-8"?>
+<p:sld xmlns:a="http://schemas.openxmlformats.org/drawingml/2006/main" xmlns:r="http://schemas.openxmlformats.org/officeDocument/2006/relationships" xmlns:p="http://schemas.openxmlformats.org/presentationml/2006/main">
+  <p:cSld>
+    <p:bg>
+      <p:bgPr>
+        <a:solidFill>
+          <a:srgbClr val="CCF6F8"/>
+        </a:solidFill>
+        <a:effectLst/>
+      </p:bgPr>
+    </p:bg>
+    <p:spTree>
+      <p:nvGrpSpPr>
+        <p:cNvPr id="1" name=""/>
+        <p:cNvGrpSpPr/>
+        <p:nvPr/>
+      </p:nvGrpSpPr>
+      <p:grpSpPr>
+        <a:xfrm>
+          <a:off x="0" y="0"/>
+          <a:ext cx="0" cy="0"/>
+          <a:chOff x="0" y="0"/>
+          <a:chExt cx="0" cy="0"/>
+        </a:xfrm>
+      </p:grpSpPr>
+      <p:sp>
+        <p:nvSpPr>
+          <p:cNvPr id="2" name="Slide Number Placeholder 1"/>
+          <p:cNvSpPr>
+            <a:spLocks noGrp="1"/>
+          </p:cNvSpPr>
+          <p:nvPr>
+            <p:ph type="sldNum" idx="12"/>
+          </p:nvPr>
+        </p:nvSpPr>
+        <p:spPr/>
+        <p:txBody>
+          <a:bodyPr/>
+          <a:lstStyle/>
+          <a:p>
+            <a:pPr lvl="0" rtl="0">
+              <a:spcBef>
+                <a:spcPts val="0"/>
+              </a:spcBef>
+              <a:buNone/>
+            </a:pPr>
+            <a:fld id="{00000000-1234-1234-1234-123412341234}" type="slidenum">
+              <a:rPr lang="en" smtClean="0"/>
+              <a:t>14</a:t>
+            </a:fld>
+            <a:endParaRPr lang="en"/>
+          </a:p>
+        </p:txBody>
+      </p:sp>
+      <p:graphicFrame>
+        <p:nvGraphicFramePr>
+          <p:cNvPr id="3" name="Grafik 48"/>
+          <p:cNvGraphicFramePr/>
+          <p:nvPr>
+            <p:extLst>
+              <p:ext uri="{D42A27DB-BD31-4B8C-83A1-F6EECF244321}">
+                <p14:modId xmlns:p14="http://schemas.microsoft.com/office/powerpoint/2010/main" val="3163107544"/>
+              </p:ext>
+            </p:extLst>
+          </p:nvPr>
+        </p:nvGraphicFramePr>
+        <p:xfrm>
+          <a:off x="754380" y="546134"/>
+          <a:ext cx="7109460" cy="4686300"/>
+        </p:xfrm>
+        <a:graphic>
+          <a:graphicData uri="http://schemas.openxmlformats.org/drawingml/2006/chart">
+            <c:chart xmlns:c="http://schemas.openxmlformats.org/drawingml/2006/chart" xmlns:r="http://schemas.openxmlformats.org/officeDocument/2006/relationships" r:id="rId2"/>
+          </a:graphicData>
+        </a:graphic>
+      </p:graphicFrame>
+      <p:sp>
+        <p:nvSpPr>
+          <p:cNvPr id="5" name="TextBox 4"/>
+          <p:cNvSpPr txBox="1"/>
+          <p:nvPr/>
+        </p:nvSpPr>
+        <p:spPr>
+          <a:xfrm>
+            <a:off x="754380" y="146024"/>
+            <a:ext cx="5757256" cy="400110"/>
+          </a:xfrm>
+          <a:prstGeom prst="rect">
+            <a:avLst/>
+          </a:prstGeom>
+          <a:noFill/>
+        </p:spPr>
+        <p:txBody>
+          <a:bodyPr wrap="square" rtlCol="0">
+            <a:spAutoFit/>
+          </a:bodyPr>
+          <a:lstStyle/>
+          <a:p>
+            <a:r>
+              <a:rPr lang="tr-TR" sz="2000" b="1" dirty="0" smtClean="0">
+                <a:latin typeface="Calibri" panose="020F0502020204030204" pitchFamily="34" charset="0"/>
+              </a:rPr>
+              <a:t>Experiments and Result of Turkish Tweets on ML </a:t>
+            </a:r>
+            <a:endParaRPr lang="tr-TR" sz="2000" b="1" dirty="0">
+              <a:latin typeface="Calibri" panose="020F0502020204030204" pitchFamily="34" charset="0"/>
+            </a:endParaRPr>
+          </a:p>
+        </p:txBody>
+      </p:sp>
+    </p:spTree>
+    <p:extLst>
+      <p:ext uri="{BB962C8B-B14F-4D97-AF65-F5344CB8AC3E}">
+        <p14:creationId xmlns:p14="http://schemas.microsoft.com/office/powerpoint/2010/main" val="3391332956"/>
+      </p:ext>
+    </p:extLst>
+  </p:cSld>
+  <p:clrMapOvr>
+    <a:masterClrMapping/>
+  </p:clrMapOvr>
+  <p:timing>
+    <p:tnLst>
+      <p:par>
+        <p:cTn id="1" dur="indefinite" restart="never" nodeType="tmRoot"/>
+      </p:par>
+    </p:tnLst>
+  </p:timing>
+</p:sld>
+</file>
+
+<file path=ppt/slides/slide15.xml><?xml version="1.0" encoding="utf-8"?>
+<p:sld xmlns:a="http://schemas.openxmlformats.org/drawingml/2006/main" xmlns:r="http://schemas.openxmlformats.org/officeDocument/2006/relationships" xmlns:p="http://schemas.openxmlformats.org/presentationml/2006/main">
+  <p:cSld>
+    <p:bg>
+      <p:bgPr>
+        <a:solidFill>
+          <a:srgbClr val="CCF6F8"/>
+        </a:solidFill>
+        <a:effectLst/>
+      </p:bgPr>
+    </p:bg>
+    <p:spTree>
+      <p:nvGrpSpPr>
+        <p:cNvPr id="1" name=""/>
+        <p:cNvGrpSpPr/>
+        <p:nvPr/>
+      </p:nvGrpSpPr>
+      <p:grpSpPr>
+        <a:xfrm>
+          <a:off x="0" y="0"/>
+          <a:ext cx="0" cy="0"/>
+          <a:chOff x="0" y="0"/>
+          <a:chExt cx="0" cy="0"/>
+        </a:xfrm>
+      </p:grpSpPr>
+      <p:sp>
+        <p:nvSpPr>
+          <p:cNvPr id="2" name="Slide Number Placeholder 1"/>
+          <p:cNvSpPr>
+            <a:spLocks noGrp="1"/>
+          </p:cNvSpPr>
+          <p:nvPr>
+            <p:ph type="sldNum" idx="12"/>
+          </p:nvPr>
+        </p:nvSpPr>
+        <p:spPr/>
+        <p:txBody>
+          <a:bodyPr/>
+          <a:lstStyle/>
+          <a:p>
+            <a:pPr lvl="0" rtl="0">
+              <a:spcBef>
+                <a:spcPts val="0"/>
+              </a:spcBef>
+              <a:buNone/>
+            </a:pPr>
+            <a:fld id="{00000000-1234-1234-1234-123412341234}" type="slidenum">
+              <a:rPr lang="en" smtClean="0"/>
+              <a:t>15</a:t>
+            </a:fld>
+            <a:endParaRPr lang="en"/>
+          </a:p>
+        </p:txBody>
+      </p:sp>
+      <p:graphicFrame>
+        <p:nvGraphicFramePr>
+          <p:cNvPr id="4" name="Grafik 46"/>
+          <p:cNvGraphicFramePr/>
+          <p:nvPr>
+            <p:extLst>
+              <p:ext uri="{D42A27DB-BD31-4B8C-83A1-F6EECF244321}">
+                <p14:modId xmlns:p14="http://schemas.microsoft.com/office/powerpoint/2010/main" val="4181512500"/>
+              </p:ext>
+            </p:extLst>
+          </p:nvPr>
+        </p:nvGraphicFramePr>
+        <p:xfrm>
+          <a:off x="1264920" y="457200"/>
+          <a:ext cx="7566659" cy="4594860"/>
+        </p:xfrm>
+        <a:graphic>
+          <a:graphicData uri="http://schemas.openxmlformats.org/drawingml/2006/chart">
+            <c:chart xmlns:c="http://schemas.openxmlformats.org/drawingml/2006/chart" xmlns:r="http://schemas.openxmlformats.org/officeDocument/2006/relationships" r:id="rId2"/>
+          </a:graphicData>
+        </a:graphic>
+      </p:graphicFrame>
+      <p:sp>
+        <p:nvSpPr>
+          <p:cNvPr id="5" name="TextBox 4"/>
+          <p:cNvSpPr txBox="1"/>
+          <p:nvPr/>
+        </p:nvSpPr>
+        <p:spPr>
+          <a:xfrm>
+            <a:off x="754380" y="146024"/>
+            <a:ext cx="5257800" cy="400110"/>
+          </a:xfrm>
+          <a:prstGeom prst="rect">
+            <a:avLst/>
+          </a:prstGeom>
+          <a:noFill/>
+        </p:spPr>
+        <p:txBody>
+          <a:bodyPr wrap="square" rtlCol="0">
+            <a:spAutoFit/>
+          </a:bodyPr>
+          <a:lstStyle/>
+          <a:p>
+            <a:r>
+              <a:rPr lang="tr-TR" sz="2000" b="1" dirty="0" smtClean="0">
+                <a:latin typeface="Calibri" panose="020F0502020204030204" pitchFamily="34" charset="0"/>
+              </a:rPr>
+              <a:t>Experiment and Result of English Tweets on ML </a:t>
+            </a:r>
+            <a:endParaRPr lang="tr-TR" sz="2000" b="1" dirty="0">
+              <a:latin typeface="Calibri" panose="020F0502020204030204" pitchFamily="34" charset="0"/>
+            </a:endParaRPr>
+          </a:p>
+        </p:txBody>
+      </p:sp>
+    </p:spTree>
+    <p:extLst>
+      <p:ext uri="{BB962C8B-B14F-4D97-AF65-F5344CB8AC3E}">
+        <p14:creationId xmlns:p14="http://schemas.microsoft.com/office/powerpoint/2010/main" val="2712917390"/>
+      </p:ext>
+    </p:extLst>
+  </p:cSld>
+  <p:clrMapOvr>
+    <a:masterClrMapping/>
+  </p:clrMapOvr>
+  <p:timing>
+    <p:tnLst>
+      <p:par>
+        <p:cTn id="1" dur="indefinite" restart="never" nodeType="tmRoot"/>
+      </p:par>
+    </p:tnLst>
+  </p:timing>
+</p:sld>
+</file>
+
+<file path=ppt/slides/slide16.xml><?xml version="1.0" encoding="utf-8"?>
+<p:sld xmlns:a="http://schemas.openxmlformats.org/drawingml/2006/main" xmlns:r="http://schemas.openxmlformats.org/officeDocument/2006/relationships" xmlns:p="http://schemas.openxmlformats.org/presentationml/2006/main">
+  <p:cSld>
+    <p:bg>
+      <p:bgPr>
+        <a:solidFill>
+          <a:srgbClr val="CCF6F8"/>
+        </a:solidFill>
+        <a:effectLst/>
+      </p:bgPr>
+    </p:bg>
+    <p:spTree>
+      <p:nvGrpSpPr>
+        <p:cNvPr id="1" name=""/>
+        <p:cNvGrpSpPr/>
+        <p:nvPr/>
+      </p:nvGrpSpPr>
+      <p:grpSpPr>
+        <a:xfrm>
+          <a:off x="0" y="0"/>
+          <a:ext cx="0" cy="0"/>
+          <a:chOff x="0" y="0"/>
+          <a:chExt cx="0" cy="0"/>
+        </a:xfrm>
+      </p:grpSpPr>
+      <p:sp>
+        <p:nvSpPr>
+          <p:cNvPr id="2" name="Slide Number Placeholder 1"/>
+          <p:cNvSpPr>
+            <a:spLocks noGrp="1"/>
+          </p:cNvSpPr>
+          <p:nvPr>
+            <p:ph type="sldNum" idx="12"/>
+          </p:nvPr>
+        </p:nvSpPr>
+        <p:spPr/>
+        <p:txBody>
+          <a:bodyPr/>
+          <a:lstStyle/>
+          <a:p>
+            <a:pPr lvl="0" rtl="0">
+              <a:spcBef>
+                <a:spcPts val="0"/>
+              </a:spcBef>
+              <a:buNone/>
+            </a:pPr>
+            <a:fld id="{00000000-1234-1234-1234-123412341234}" type="slidenum">
+              <a:rPr lang="en" smtClean="0"/>
+              <a:t>16</a:t>
+            </a:fld>
+            <a:endParaRPr lang="en"/>
+          </a:p>
+        </p:txBody>
+      </p:sp>
+      <p:pic>
+        <p:nvPicPr>
+          <p:cNvPr id="3" name="Resim 15"/>
+          <p:cNvPicPr>
+            <a:picLocks noChangeAspect="1"/>
+          </p:cNvPicPr>
+          <p:nvPr/>
+        </p:nvPicPr>
+        <p:blipFill>
+          <a:blip r:embed="rId2"/>
+          <a:stretch>
+            <a:fillRect/>
+          </a:stretch>
+        </p:blipFill>
+        <p:spPr>
+          <a:xfrm>
+            <a:off x="1012675" y="905096"/>
+            <a:ext cx="7046875" cy="2963786"/>
+          </a:xfrm>
+          <a:prstGeom prst="rect">
+            <a:avLst/>
+          </a:prstGeom>
+        </p:spPr>
+      </p:pic>
+      <p:sp>
+        <p:nvSpPr>
+          <p:cNvPr id="4" name="TextBox 3"/>
+          <p:cNvSpPr txBox="1"/>
+          <p:nvPr/>
+        </p:nvSpPr>
+        <p:spPr>
+          <a:xfrm>
+            <a:off x="457200" y="4104734"/>
+            <a:ext cx="8686800" cy="523220"/>
+          </a:xfrm>
+          <a:prstGeom prst="rect">
+            <a:avLst/>
+          </a:prstGeom>
+          <a:noFill/>
+        </p:spPr>
+        <p:txBody>
+          <a:bodyPr wrap="square" rtlCol="0">
+            <a:spAutoFit/>
+          </a:bodyPr>
+          <a:lstStyle/>
+          <a:p>
+            <a:r>
+              <a:rPr lang="tr-TR" b="1" dirty="0"/>
+              <a:t>Comparison of the performance with respect to the studies presented in NEEL 2016 </a:t>
+            </a:r>
+            <a:r>
+              <a:rPr lang="tr-TR" b="1" dirty="0" smtClean="0"/>
+              <a:t>workshop [5].</a:t>
+            </a:r>
+          </a:p>
+          <a:p>
+            <a:endParaRPr lang="tr-TR" dirty="0"/>
+          </a:p>
+        </p:txBody>
+      </p:sp>
+    </p:spTree>
+    <p:extLst>
+      <p:ext uri="{BB962C8B-B14F-4D97-AF65-F5344CB8AC3E}">
+        <p14:creationId xmlns:p14="http://schemas.microsoft.com/office/powerpoint/2010/main" val="1030320086"/>
+      </p:ext>
+    </p:extLst>
+  </p:cSld>
+  <p:clrMapOvr>
+    <a:masterClrMapping/>
+  </p:clrMapOvr>
+  <p:timing>
+    <p:tnLst>
+      <p:par>
+        <p:cTn id="1" dur="indefinite" restart="never" nodeType="tmRoot"/>
+      </p:par>
+    </p:tnLst>
+  </p:timing>
+</p:sld>
+</file>
+
+<file path=ppt/slides/slide17.xml><?xml version="1.0" encoding="utf-8"?>
+<p:sld xmlns:a="http://schemas.openxmlformats.org/drawingml/2006/main" xmlns:r="http://schemas.openxmlformats.org/officeDocument/2006/relationships" xmlns:p="http://schemas.openxmlformats.org/presentationml/2006/main">
+  <p:cSld>
+    <p:bg>
+      <p:bgPr>
+        <a:solidFill>
+          <a:srgbClr val="CCF6F8"/>
+        </a:solidFill>
+        <a:effectLst/>
+      </p:bgPr>
+    </p:bg>
+    <p:spTree>
+      <p:nvGrpSpPr>
+        <p:cNvPr id="1" name=""/>
+        <p:cNvGrpSpPr/>
+        <p:nvPr/>
+      </p:nvGrpSpPr>
+      <p:grpSpPr>
+        <a:xfrm>
+          <a:off x="0" y="0"/>
+          <a:ext cx="0" cy="0"/>
+          <a:chOff x="0" y="0"/>
+          <a:chExt cx="0" cy="0"/>
+        </a:xfrm>
+      </p:grpSpPr>
+      <p:sp>
+        <p:nvSpPr>
+          <p:cNvPr id="2" name="Slide Number Placeholder 1"/>
+          <p:cNvSpPr>
+            <a:spLocks noGrp="1"/>
+          </p:cNvSpPr>
+          <p:nvPr>
+            <p:ph type="sldNum" idx="12"/>
+          </p:nvPr>
+        </p:nvSpPr>
+        <p:spPr/>
+        <p:txBody>
+          <a:bodyPr/>
+          <a:lstStyle/>
+          <a:p>
+            <a:pPr lvl="0" rtl="0">
+              <a:spcBef>
+                <a:spcPts val="0"/>
+              </a:spcBef>
+              <a:buNone/>
+            </a:pPr>
+            <a:fld id="{00000000-1234-1234-1234-123412341234}" type="slidenum">
+              <a:rPr lang="en" smtClean="0"/>
+              <a:t>17</a:t>
+            </a:fld>
+            <a:endParaRPr lang="en"/>
+          </a:p>
+        </p:txBody>
+      </p:sp>
+      <p:pic>
+        <p:nvPicPr>
+          <p:cNvPr id="3" name="Picture 2"/>
+          <p:cNvPicPr>
+            <a:picLocks noChangeAspect="1"/>
+          </p:cNvPicPr>
+          <p:nvPr/>
+        </p:nvPicPr>
+        <p:blipFill>
+          <a:blip r:embed="rId2">
+            <a:extLst>
+              <a:ext uri="{28A0092B-C50C-407E-A947-70E740481C1C}">
+                <a14:useLocalDpi xmlns:a14="http://schemas.microsoft.com/office/drawing/2010/main" val="0"/>
+              </a:ext>
+            </a:extLst>
+          </a:blip>
+          <a:stretch>
+            <a:fillRect/>
+          </a:stretch>
+        </p:blipFill>
+        <p:spPr>
+          <a:xfrm>
+            <a:off x="877472" y="2805545"/>
+            <a:ext cx="4646376" cy="2043545"/>
+          </a:xfrm>
+          <a:prstGeom prst="rect">
+            <a:avLst/>
+          </a:prstGeom>
+        </p:spPr>
+      </p:pic>
+      <p:pic>
+        <p:nvPicPr>
+          <p:cNvPr id="4" name="Picture 3"/>
+          <p:cNvPicPr>
+            <a:picLocks noChangeAspect="1"/>
+          </p:cNvPicPr>
+          <p:nvPr/>
+        </p:nvPicPr>
+        <p:blipFill>
+          <a:blip r:embed="rId3">
+            <a:extLst>
+              <a:ext uri="{28A0092B-C50C-407E-A947-70E740481C1C}">
+                <a14:useLocalDpi xmlns:a14="http://schemas.microsoft.com/office/drawing/2010/main" val="0"/>
+              </a:ext>
+            </a:extLst>
+          </a:blip>
+          <a:stretch>
+            <a:fillRect/>
+          </a:stretch>
+        </p:blipFill>
+        <p:spPr>
+          <a:xfrm>
+            <a:off x="877472" y="620989"/>
+            <a:ext cx="4640926" cy="2004447"/>
+          </a:xfrm>
+          <a:prstGeom prst="rect">
+            <a:avLst/>
+          </a:prstGeom>
+        </p:spPr>
+      </p:pic>
+      <p:sp>
+        <p:nvSpPr>
+          <p:cNvPr id="5" name="TextBox 4"/>
+          <p:cNvSpPr txBox="1"/>
+          <p:nvPr/>
+        </p:nvSpPr>
+        <p:spPr>
+          <a:xfrm>
+            <a:off x="5874325" y="1139053"/>
+            <a:ext cx="2694709" cy="307777"/>
+          </a:xfrm>
+          <a:prstGeom prst="rect">
+            <a:avLst/>
+          </a:prstGeom>
+          <a:noFill/>
+        </p:spPr>
+        <p:txBody>
+          <a:bodyPr wrap="square" rtlCol="0">
+            <a:spAutoFit/>
+          </a:bodyPr>
+          <a:lstStyle/>
+          <a:p>
+            <a:r>
+              <a:rPr lang="tr-TR" dirty="0" smtClean="0"/>
+              <a:t>Test on traning</a:t>
+            </a:r>
+            <a:endParaRPr lang="tr-TR" dirty="0"/>
+          </a:p>
+        </p:txBody>
+      </p:sp>
+      <p:sp>
+        <p:nvSpPr>
+          <p:cNvPr id="6" name="TextBox 5"/>
+          <p:cNvSpPr txBox="1"/>
+          <p:nvPr/>
+        </p:nvSpPr>
+        <p:spPr>
+          <a:xfrm>
+            <a:off x="5874326" y="3408218"/>
+            <a:ext cx="2694709" cy="307777"/>
+          </a:xfrm>
+          <a:prstGeom prst="rect">
+            <a:avLst/>
+          </a:prstGeom>
+          <a:noFill/>
+        </p:spPr>
+        <p:txBody>
+          <a:bodyPr wrap="square" rtlCol="0">
+            <a:spAutoFit/>
+          </a:bodyPr>
+          <a:lstStyle/>
+          <a:p>
+            <a:r>
+              <a:rPr lang="tr-TR" dirty="0" smtClean="0"/>
+              <a:t>Training 60% Test 40%</a:t>
+            </a:r>
+            <a:endParaRPr lang="tr-TR" dirty="0"/>
+          </a:p>
+        </p:txBody>
+      </p:sp>
+      <p:sp>
+        <p:nvSpPr>
+          <p:cNvPr id="7" name="TextBox 6"/>
+          <p:cNvSpPr txBox="1"/>
+          <p:nvPr/>
+        </p:nvSpPr>
+        <p:spPr>
+          <a:xfrm>
+            <a:off x="877472" y="125691"/>
+            <a:ext cx="2694709" cy="400110"/>
+          </a:xfrm>
+          <a:prstGeom prst="rect">
+            <a:avLst/>
+          </a:prstGeom>
+          <a:noFill/>
+        </p:spPr>
+        <p:txBody>
+          <a:bodyPr wrap="square" rtlCol="0">
+            <a:spAutoFit/>
+          </a:bodyPr>
+          <a:lstStyle/>
+          <a:p>
+            <a:r>
+              <a:rPr lang="tr-TR" sz="2000" b="1" dirty="0" smtClean="0">
+                <a:latin typeface="Calibri" panose="020F0502020204030204" pitchFamily="34" charset="0"/>
+              </a:rPr>
+              <a:t>K-NN Results</a:t>
+            </a:r>
+            <a:endParaRPr lang="tr-TR" sz="2000" b="1" dirty="0">
+              <a:latin typeface="Calibri" panose="020F0502020204030204" pitchFamily="34" charset="0"/>
+            </a:endParaRPr>
+          </a:p>
+        </p:txBody>
+      </p:sp>
+    </p:spTree>
+    <p:extLst>
+      <p:ext uri="{BB962C8B-B14F-4D97-AF65-F5344CB8AC3E}">
+        <p14:creationId xmlns:p14="http://schemas.microsoft.com/office/powerpoint/2010/main" val="1796517332"/>
+      </p:ext>
+    </p:extLst>
+  </p:cSld>
+  <p:clrMapOvr>
+    <a:masterClrMapping/>
+  </p:clrMapOvr>
+  <p:timing>
+    <p:tnLst>
+      <p:par>
+        <p:cTn id="1" dur="indefinite" restart="never" nodeType="tmRoot"/>
+      </p:par>
+    </p:tnLst>
+  </p:timing>
+</p:sld>
+</file>
+
+<file path=ppt/slides/slide18.xml><?xml version="1.0" encoding="utf-8"?>
+<p:sld xmlns:a="http://schemas.openxmlformats.org/drawingml/2006/main" xmlns:r="http://schemas.openxmlformats.org/officeDocument/2006/relationships" xmlns:p="http://schemas.openxmlformats.org/presentationml/2006/main">
+  <p:cSld>
+    <p:bg>
+      <p:bgPr>
+        <a:solidFill>
+          <a:srgbClr val="CCF6F8"/>
+        </a:solidFill>
+        <a:effectLst/>
+      </p:bgPr>
+    </p:bg>
+    <p:spTree>
+      <p:nvGrpSpPr>
+        <p:cNvPr id="1" name=""/>
+        <p:cNvGrpSpPr/>
+        <p:nvPr/>
+      </p:nvGrpSpPr>
+      <p:grpSpPr>
+        <a:xfrm>
+          <a:off x="0" y="0"/>
+          <a:ext cx="0" cy="0"/>
+          <a:chOff x="0" y="0"/>
+          <a:chExt cx="0" cy="0"/>
+        </a:xfrm>
+      </p:grpSpPr>
+      <p:sp>
+        <p:nvSpPr>
+          <p:cNvPr id="2" name="Slide Number Placeholder 1"/>
+          <p:cNvSpPr>
+            <a:spLocks noGrp="1"/>
+          </p:cNvSpPr>
+          <p:nvPr>
+            <p:ph type="sldNum" idx="12"/>
+          </p:nvPr>
+        </p:nvSpPr>
+        <p:spPr/>
+        <p:txBody>
+          <a:bodyPr/>
+          <a:lstStyle/>
+          <a:p>
+            <a:pPr lvl="0" rtl="0">
+              <a:spcBef>
+                <a:spcPts val="0"/>
+              </a:spcBef>
+              <a:buNone/>
+            </a:pPr>
+            <a:fld id="{00000000-1234-1234-1234-123412341234}" type="slidenum">
+              <a:rPr lang="en" smtClean="0"/>
+              <a:t>18</a:t>
+            </a:fld>
+            <a:endParaRPr lang="en"/>
+          </a:p>
+        </p:txBody>
+      </p:sp>
+      <p:pic>
+        <p:nvPicPr>
+          <p:cNvPr id="3" name="Picture 2"/>
+          <p:cNvPicPr>
+            <a:picLocks noChangeAspect="1"/>
+          </p:cNvPicPr>
+          <p:nvPr/>
+        </p:nvPicPr>
+        <p:blipFill>
+          <a:blip r:embed="rId2">
+            <a:extLst>
+              <a:ext uri="{28A0092B-C50C-407E-A947-70E740481C1C}">
+                <a14:useLocalDpi xmlns:a14="http://schemas.microsoft.com/office/drawing/2010/main" val="0"/>
+              </a:ext>
+            </a:extLst>
+          </a:blip>
+          <a:stretch>
+            <a:fillRect/>
+          </a:stretch>
+        </p:blipFill>
+        <p:spPr>
+          <a:xfrm>
+            <a:off x="908765" y="533530"/>
+            <a:ext cx="4253177" cy="2254696"/>
+          </a:xfrm>
+          <a:prstGeom prst="rect">
+            <a:avLst/>
+          </a:prstGeom>
+        </p:spPr>
+      </p:pic>
+      <p:pic>
+        <p:nvPicPr>
+          <p:cNvPr id="4" name="Picture 3"/>
+          <p:cNvPicPr>
+            <a:picLocks noChangeAspect="1"/>
+          </p:cNvPicPr>
+          <p:nvPr/>
+        </p:nvPicPr>
+        <p:blipFill>
+          <a:blip r:embed="rId3">
+            <a:extLst>
+              <a:ext uri="{28A0092B-C50C-407E-A947-70E740481C1C}">
+                <a14:useLocalDpi xmlns:a14="http://schemas.microsoft.com/office/drawing/2010/main" val="0"/>
+              </a:ext>
+            </a:extLst>
+          </a:blip>
+          <a:stretch>
+            <a:fillRect/>
+          </a:stretch>
+        </p:blipFill>
+        <p:spPr>
+          <a:xfrm>
+            <a:off x="908765" y="2880163"/>
+            <a:ext cx="4242657" cy="2121328"/>
+          </a:xfrm>
+          <a:prstGeom prst="rect">
+            <a:avLst/>
+          </a:prstGeom>
+        </p:spPr>
+      </p:pic>
+      <p:sp>
+        <p:nvSpPr>
+          <p:cNvPr id="5" name="TextBox 4"/>
+          <p:cNvSpPr txBox="1"/>
+          <p:nvPr/>
+        </p:nvSpPr>
+        <p:spPr>
+          <a:xfrm>
+            <a:off x="5874325" y="1139053"/>
+            <a:ext cx="2694709" cy="307777"/>
+          </a:xfrm>
+          <a:prstGeom prst="rect">
+            <a:avLst/>
+          </a:prstGeom>
+          <a:noFill/>
+        </p:spPr>
+        <p:txBody>
+          <a:bodyPr wrap="square" rtlCol="0">
+            <a:spAutoFit/>
+          </a:bodyPr>
+          <a:lstStyle/>
+          <a:p>
+            <a:r>
+              <a:rPr lang="tr-TR" dirty="0" smtClean="0"/>
+              <a:t>Test on traning</a:t>
+            </a:r>
+            <a:endParaRPr lang="tr-TR" dirty="0"/>
+          </a:p>
+        </p:txBody>
+      </p:sp>
+      <p:sp>
+        <p:nvSpPr>
+          <p:cNvPr id="6" name="TextBox 5"/>
+          <p:cNvSpPr txBox="1"/>
+          <p:nvPr/>
+        </p:nvSpPr>
+        <p:spPr>
+          <a:xfrm>
+            <a:off x="5874326" y="3408218"/>
+            <a:ext cx="2694709" cy="307777"/>
+          </a:xfrm>
+          <a:prstGeom prst="rect">
+            <a:avLst/>
+          </a:prstGeom>
+          <a:noFill/>
+        </p:spPr>
+        <p:txBody>
+          <a:bodyPr wrap="square" rtlCol="0">
+            <a:spAutoFit/>
+          </a:bodyPr>
+          <a:lstStyle/>
+          <a:p>
+            <a:r>
+              <a:rPr lang="tr-TR" dirty="0" smtClean="0"/>
+              <a:t>Training 60% Test 40%</a:t>
+            </a:r>
+            <a:endParaRPr lang="tr-TR" dirty="0"/>
+          </a:p>
+        </p:txBody>
+      </p:sp>
+      <p:sp>
+        <p:nvSpPr>
+          <p:cNvPr id="7" name="TextBox 6"/>
+          <p:cNvSpPr txBox="1"/>
+          <p:nvPr/>
+        </p:nvSpPr>
+        <p:spPr>
+          <a:xfrm>
+            <a:off x="877472" y="125691"/>
+            <a:ext cx="2694709" cy="400110"/>
+          </a:xfrm>
+          <a:prstGeom prst="rect">
+            <a:avLst/>
+          </a:prstGeom>
+          <a:noFill/>
+        </p:spPr>
+        <p:txBody>
+          <a:bodyPr wrap="square" rtlCol="0">
+            <a:spAutoFit/>
+          </a:bodyPr>
+          <a:lstStyle/>
+          <a:p>
+            <a:r>
+              <a:rPr lang="tr-TR" sz="2000" b="1" dirty="0" smtClean="0">
+                <a:latin typeface="Calibri" panose="020F0502020204030204" pitchFamily="34" charset="0"/>
+              </a:rPr>
+              <a:t>LR Results</a:t>
+            </a:r>
+            <a:endParaRPr lang="tr-TR" sz="2000" b="1" dirty="0">
+              <a:latin typeface="Calibri" panose="020F0502020204030204" pitchFamily="34" charset="0"/>
+            </a:endParaRPr>
+          </a:p>
+        </p:txBody>
+      </p:sp>
+    </p:spTree>
+    <p:extLst>
+      <p:ext uri="{BB962C8B-B14F-4D97-AF65-F5344CB8AC3E}">
+        <p14:creationId xmlns:p14="http://schemas.microsoft.com/office/powerpoint/2010/main" val="316712945"/>
+      </p:ext>
+    </p:extLst>
+  </p:cSld>
+  <p:clrMapOvr>
+    <a:masterClrMapping/>
+  </p:clrMapOvr>
+  <p:timing>
+    <p:tnLst>
+      <p:par>
+        <p:cTn id="1" dur="indefinite" restart="never" nodeType="tmRoot"/>
+      </p:par>
+    </p:tnLst>
+  </p:timing>
+</p:sld>
+</file>
+
+<file path=ppt/slides/slide19.xml><?xml version="1.0" encoding="utf-8"?>
+<p:sld xmlns:a="http://schemas.openxmlformats.org/drawingml/2006/main" xmlns:r="http://schemas.openxmlformats.org/officeDocument/2006/relationships" xmlns:p="http://schemas.openxmlformats.org/presentationml/2006/main">
+  <p:cSld>
+    <p:bg>
+      <p:bgPr>
+        <a:solidFill>
+          <a:srgbClr val="CCF6F8"/>
+        </a:solidFill>
+        <a:effectLst/>
+      </p:bgPr>
+    </p:bg>
+    <p:spTree>
+      <p:nvGrpSpPr>
+        <p:cNvPr id="1" name=""/>
+        <p:cNvGrpSpPr/>
+        <p:nvPr/>
+      </p:nvGrpSpPr>
+      <p:grpSpPr>
+        <a:xfrm>
+          <a:off x="0" y="0"/>
+          <a:ext cx="0" cy="0"/>
+          <a:chOff x="0" y="0"/>
+          <a:chExt cx="0" cy="0"/>
+        </a:xfrm>
+      </p:grpSpPr>
+      <p:sp>
+        <p:nvSpPr>
+          <p:cNvPr id="2" name="Slide Number Placeholder 1"/>
+          <p:cNvSpPr>
+            <a:spLocks noGrp="1"/>
+          </p:cNvSpPr>
+          <p:nvPr>
+            <p:ph type="sldNum" idx="12"/>
+          </p:nvPr>
+        </p:nvSpPr>
+        <p:spPr/>
+        <p:txBody>
+          <a:bodyPr/>
+          <a:lstStyle/>
+          <a:p>
+            <a:pPr lvl="0" rtl="0">
+              <a:spcBef>
+                <a:spcPts val="0"/>
+              </a:spcBef>
+              <a:buNone/>
+            </a:pPr>
+            <a:fld id="{00000000-1234-1234-1234-123412341234}" type="slidenum">
+              <a:rPr lang="en" smtClean="0"/>
+              <a:t>19</a:t>
+            </a:fld>
+            <a:endParaRPr lang="en"/>
+          </a:p>
+        </p:txBody>
+      </p:sp>
+      <p:pic>
+        <p:nvPicPr>
+          <p:cNvPr id="3" name="Picture 2"/>
+          <p:cNvPicPr>
+            <a:picLocks noChangeAspect="1"/>
+          </p:cNvPicPr>
+          <p:nvPr/>
+        </p:nvPicPr>
+        <p:blipFill>
+          <a:blip r:embed="rId2">
+            <a:extLst>
+              <a:ext uri="{28A0092B-C50C-407E-A947-70E740481C1C}">
+                <a14:useLocalDpi xmlns:a14="http://schemas.microsoft.com/office/drawing/2010/main" val="0"/>
+              </a:ext>
+            </a:extLst>
+          </a:blip>
+          <a:stretch>
+            <a:fillRect/>
+          </a:stretch>
+        </p:blipFill>
+        <p:spPr>
+          <a:xfrm>
+            <a:off x="943247" y="2877729"/>
+            <a:ext cx="4571373" cy="1976270"/>
+          </a:xfrm>
+          <a:prstGeom prst="rect">
+            <a:avLst/>
+          </a:prstGeom>
+        </p:spPr>
+      </p:pic>
+      <p:pic>
+        <p:nvPicPr>
+          <p:cNvPr id="4" name="Picture 3"/>
+          <p:cNvPicPr>
+            <a:picLocks noChangeAspect="1"/>
+          </p:cNvPicPr>
+          <p:nvPr/>
+        </p:nvPicPr>
+        <p:blipFill>
+          <a:blip r:embed="rId3">
+            <a:extLst>
+              <a:ext uri="{28A0092B-C50C-407E-A947-70E740481C1C}">
+                <a14:useLocalDpi xmlns:a14="http://schemas.microsoft.com/office/drawing/2010/main" val="0"/>
+              </a:ext>
+            </a:extLst>
+          </a:blip>
+          <a:stretch>
+            <a:fillRect/>
+          </a:stretch>
+        </p:blipFill>
+        <p:spPr>
+          <a:xfrm>
+            <a:off x="943247" y="585039"/>
+            <a:ext cx="4571373" cy="2130452"/>
+          </a:xfrm>
+          <a:prstGeom prst="rect">
+            <a:avLst/>
+          </a:prstGeom>
+        </p:spPr>
+      </p:pic>
+      <p:sp>
+        <p:nvSpPr>
+          <p:cNvPr id="5" name="TextBox 4"/>
+          <p:cNvSpPr txBox="1"/>
+          <p:nvPr/>
+        </p:nvSpPr>
+        <p:spPr>
+          <a:xfrm>
+            <a:off x="5874325" y="1139053"/>
+            <a:ext cx="2694709" cy="307777"/>
+          </a:xfrm>
+          <a:prstGeom prst="rect">
+            <a:avLst/>
+          </a:prstGeom>
+          <a:noFill/>
+        </p:spPr>
+        <p:txBody>
+          <a:bodyPr wrap="square" rtlCol="0">
+            <a:spAutoFit/>
+          </a:bodyPr>
+          <a:lstStyle/>
+          <a:p>
+            <a:r>
+              <a:rPr lang="tr-TR" dirty="0" smtClean="0"/>
+              <a:t>Test on traning</a:t>
+            </a:r>
+            <a:endParaRPr lang="tr-TR" dirty="0"/>
+          </a:p>
+        </p:txBody>
+      </p:sp>
+      <p:sp>
+        <p:nvSpPr>
+          <p:cNvPr id="6" name="TextBox 5"/>
+          <p:cNvSpPr txBox="1"/>
+          <p:nvPr/>
+        </p:nvSpPr>
+        <p:spPr>
+          <a:xfrm>
+            <a:off x="5874326" y="3408218"/>
+            <a:ext cx="2694709" cy="307777"/>
+          </a:xfrm>
+          <a:prstGeom prst="rect">
+            <a:avLst/>
+          </a:prstGeom>
+          <a:noFill/>
+        </p:spPr>
+        <p:txBody>
+          <a:bodyPr wrap="square" rtlCol="0">
+            <a:spAutoFit/>
+          </a:bodyPr>
+          <a:lstStyle/>
+          <a:p>
+            <a:r>
+              <a:rPr lang="tr-TR" dirty="0" smtClean="0"/>
+              <a:t>Training 60% Test 40%</a:t>
+            </a:r>
+            <a:endParaRPr lang="tr-TR" dirty="0"/>
+          </a:p>
+        </p:txBody>
+      </p:sp>
+      <p:sp>
+        <p:nvSpPr>
+          <p:cNvPr id="7" name="TextBox 6"/>
+          <p:cNvSpPr txBox="1"/>
+          <p:nvPr/>
+        </p:nvSpPr>
+        <p:spPr>
+          <a:xfrm>
+            <a:off x="877472" y="125691"/>
+            <a:ext cx="2694709" cy="400110"/>
+          </a:xfrm>
+          <a:prstGeom prst="rect">
+            <a:avLst/>
+          </a:prstGeom>
+          <a:noFill/>
+        </p:spPr>
+        <p:txBody>
+          <a:bodyPr wrap="square" rtlCol="0">
+            <a:spAutoFit/>
+          </a:bodyPr>
+          <a:lstStyle/>
+          <a:p>
+            <a:r>
+              <a:rPr lang="tr-TR" sz="2000" b="1" dirty="0" smtClean="0">
+                <a:latin typeface="Calibri" panose="020F0502020204030204" pitchFamily="34" charset="0"/>
+              </a:rPr>
+              <a:t>MVB Results</a:t>
+            </a:r>
+            <a:endParaRPr lang="tr-TR" sz="2000" b="1" dirty="0">
+              <a:latin typeface="Calibri" panose="020F0502020204030204" pitchFamily="34" charset="0"/>
+            </a:endParaRPr>
+          </a:p>
+        </p:txBody>
+      </p:sp>
+    </p:spTree>
+    <p:extLst>
+      <p:ext uri="{BB962C8B-B14F-4D97-AF65-F5344CB8AC3E}">
+        <p14:creationId xmlns:p14="http://schemas.microsoft.com/office/powerpoint/2010/main" val="1091795204"/>
+      </p:ext>
+    </p:extLst>
+  </p:cSld>
+  <p:clrMapOvr>
+    <a:masterClrMapping/>
+  </p:clrMapOvr>
+  <p:timing>
+    <p:tnLst>
+      <p:par>
+        <p:cTn id="1" dur="indefinite" restart="never" nodeType="tmRoot"/>
+      </p:par>
+    </p:tnLst>
+  </p:timing>
+</p:sld>
+</file>
+
 <file path=ppt/slides/slide2.xml><?xml version="1.0" encoding="utf-8"?>
 <p:sld xmlns:a="http://schemas.openxmlformats.org/drawingml/2006/main" xmlns:r="http://schemas.openxmlformats.org/officeDocument/2006/relationships" xmlns:p="http://schemas.openxmlformats.org/presentationml/2006/main">
   <p:cSld>
+    <p:bg>
+      <p:bgPr>
+        <a:solidFill>
+          <a:srgbClr val="CCF6F8"/>
+        </a:solidFill>
+        <a:effectLst/>
+      </p:bgPr>
+    </p:bg>
     <p:spTree>
       <p:nvGrpSpPr>
         <p:cNvPr id="1" name=""/>
@@ -2767,7 +6094,7 @@
             <a:r>
               <a:rPr lang="en-US" sz="2400" b="1" dirty="0">
                 <a:solidFill>
-                  <a:schemeClr val="bg1"/>
+                  <a:srgbClr val="000066"/>
                 </a:solidFill>
                 <a:latin typeface="Calibri" panose="020F0502020204030204" pitchFamily="34" charset="0"/>
               </a:rPr>
@@ -2778,7 +6105,7 @@
             <a:r>
               <a:rPr lang="tr-TR" sz="2400" b="1" dirty="0">
                 <a:solidFill>
-                  <a:schemeClr val="bg1"/>
+                  <a:srgbClr val="000066"/>
                 </a:solidFill>
                 <a:latin typeface="Calibri" panose="020F0502020204030204" pitchFamily="34" charset="0"/>
               </a:rPr>
@@ -2787,7 +6114,7 @@
             <a:r>
               <a:rPr lang="en-US" sz="2400" b="1" dirty="0">
                 <a:solidFill>
-                  <a:schemeClr val="bg1"/>
+                  <a:srgbClr val="000066"/>
                 </a:solidFill>
                 <a:latin typeface="Calibri" panose="020F0502020204030204" pitchFamily="34" charset="0"/>
               </a:rPr>
@@ -2796,7 +6123,7 @@
             <a:r>
               <a:rPr lang="en-US" sz="2400" b="1" dirty="0" smtClean="0">
                 <a:solidFill>
-                  <a:schemeClr val="bg1"/>
+                  <a:srgbClr val="000066"/>
                 </a:solidFill>
                 <a:latin typeface="Calibri" panose="020F0502020204030204" pitchFamily="34" charset="0"/>
               </a:rPr>
@@ -2805,7 +6132,7 @@
             <a:r>
               <a:rPr lang="tr-TR" sz="2400" b="1" dirty="0" smtClean="0">
                 <a:solidFill>
-                  <a:schemeClr val="bg1"/>
+                  <a:srgbClr val="000066"/>
                 </a:solidFill>
                 <a:latin typeface="Calibri" panose="020F0502020204030204" pitchFamily="34" charset="0"/>
               </a:rPr>
@@ -2814,7 +6141,7 @@
             <a:r>
               <a:rPr lang="tr-TR" sz="2400" b="1" dirty="0" err="1">
                 <a:solidFill>
-                  <a:schemeClr val="bg1"/>
+                  <a:srgbClr val="000066"/>
                 </a:solidFill>
                 <a:latin typeface="Calibri" panose="020F0502020204030204" pitchFamily="34" charset="0"/>
               </a:rPr>
@@ -2823,7 +6150,7 @@
             <a:r>
               <a:rPr lang="tr-TR" sz="2400" b="1" dirty="0" err="1" smtClean="0">
                 <a:solidFill>
-                  <a:schemeClr val="bg1"/>
+                  <a:srgbClr val="000066"/>
                 </a:solidFill>
                 <a:latin typeface="Calibri" panose="020F0502020204030204" pitchFamily="34" charset="0"/>
               </a:rPr>
@@ -2832,7 +6159,7 @@
             <a:r>
               <a:rPr lang="tr-TR" sz="2400" b="1" dirty="0" smtClean="0">
                 <a:solidFill>
-                  <a:schemeClr val="bg1"/>
+                  <a:srgbClr val="000066"/>
                 </a:solidFill>
                 <a:latin typeface="Calibri" panose="020F0502020204030204" pitchFamily="34" charset="0"/>
               </a:rPr>
@@ -2841,7 +6168,7 @@
             <a:r>
               <a:rPr lang="tr-TR" sz="2400" b="1" dirty="0" err="1" smtClean="0">
                 <a:solidFill>
-                  <a:schemeClr val="bg1"/>
+                  <a:srgbClr val="000066"/>
                 </a:solidFill>
                 <a:latin typeface="Calibri" panose="020F0502020204030204" pitchFamily="34" charset="0"/>
               </a:rPr>
@@ -2850,7 +6177,7 @@
             <a:r>
               <a:rPr lang="tr-TR" sz="2400" b="1" dirty="0" smtClean="0">
                 <a:solidFill>
-                  <a:schemeClr val="bg1"/>
+                  <a:srgbClr val="000066"/>
                 </a:solidFill>
                 <a:latin typeface="Calibri" panose="020F0502020204030204" pitchFamily="34" charset="0"/>
               </a:rPr>
@@ -2858,7 +6185,7 @@
             </a:r>
             <a:endParaRPr lang="en-US" sz="2400" b="1" dirty="0">
               <a:solidFill>
-                <a:schemeClr val="bg1"/>
+                <a:srgbClr val="000066"/>
               </a:solidFill>
               <a:latin typeface="Calibri" panose="020F0502020204030204" pitchFamily="34" charset="0"/>
             </a:endParaRPr>
@@ -2867,7 +6194,7 @@
             <a:r>
               <a:rPr lang="tr-TR" sz="2400" b="1" dirty="0">
                 <a:solidFill>
-                  <a:schemeClr val="bg1"/>
+                  <a:srgbClr val="000066"/>
                 </a:solidFill>
                 <a:latin typeface="Calibri" panose="020F0502020204030204" pitchFamily="34" charset="0"/>
               </a:rPr>
@@ -2876,7 +6203,7 @@
             <a:r>
               <a:rPr lang="en-US" sz="2400" b="1" dirty="0">
                 <a:solidFill>
-                  <a:schemeClr val="bg1"/>
+                  <a:srgbClr val="000066"/>
                 </a:solidFill>
                 <a:latin typeface="Calibri" panose="020F0502020204030204" pitchFamily="34" charset="0"/>
               </a:rPr>
@@ -2887,7 +6214,7 @@
             <a:r>
               <a:rPr lang="tr-TR" sz="2400" b="1" dirty="0">
                 <a:solidFill>
-                  <a:schemeClr val="bg1"/>
+                  <a:srgbClr val="000066"/>
                 </a:solidFill>
                 <a:latin typeface="Calibri" panose="020F0502020204030204" pitchFamily="34" charset="0"/>
               </a:rPr>
@@ -2896,7 +6223,7 @@
             <a:r>
               <a:rPr lang="en-US" sz="2400" b="1" dirty="0">
                 <a:solidFill>
-                  <a:schemeClr val="bg1"/>
+                  <a:srgbClr val="000066"/>
                 </a:solidFill>
                 <a:latin typeface="Calibri" panose="020F0502020204030204" pitchFamily="34" charset="0"/>
               </a:rPr>
@@ -2905,7 +6232,7 @@
             <a:r>
               <a:rPr lang="en-US" sz="2400" b="1" dirty="0" smtClean="0">
                 <a:solidFill>
-                  <a:schemeClr val="bg1"/>
+                  <a:srgbClr val="000066"/>
                 </a:solidFill>
                 <a:latin typeface="Calibri" panose="020F0502020204030204" pitchFamily="34" charset="0"/>
               </a:rPr>
@@ -2914,7 +6241,7 @@
             <a:r>
               <a:rPr lang="tr-TR" sz="2400" b="1" dirty="0" smtClean="0">
                 <a:solidFill>
-                  <a:schemeClr val="bg1"/>
+                  <a:srgbClr val="000066"/>
                 </a:solidFill>
                 <a:latin typeface="Calibri" panose="020F0502020204030204" pitchFamily="34" charset="0"/>
               </a:rPr>
@@ -2923,7 +6250,7 @@
             <a:r>
               <a:rPr lang="en-US" sz="2400" b="1" dirty="0" smtClean="0">
                 <a:solidFill>
-                  <a:schemeClr val="bg1"/>
+                  <a:srgbClr val="000066"/>
                 </a:solidFill>
                 <a:latin typeface="Calibri" panose="020F0502020204030204" pitchFamily="34" charset="0"/>
               </a:rPr>
@@ -2932,7 +6259,7 @@
             <a:r>
               <a:rPr lang="tr-TR" sz="2400" b="1" dirty="0" smtClean="0">
                 <a:solidFill>
-                  <a:schemeClr val="bg1"/>
+                  <a:srgbClr val="000066"/>
                 </a:solidFill>
                 <a:latin typeface="Calibri" panose="020F0502020204030204" pitchFamily="34" charset="0"/>
               </a:rPr>
@@ -2941,7 +6268,7 @@
             <a:r>
               <a:rPr lang="en-US" sz="2400" b="1" dirty="0" err="1" smtClean="0">
                 <a:solidFill>
-                  <a:schemeClr val="bg1"/>
+                  <a:srgbClr val="000066"/>
                 </a:solidFill>
                 <a:latin typeface="Calibri" panose="020F0502020204030204" pitchFamily="34" charset="0"/>
               </a:rPr>
@@ -2950,7 +6277,7 @@
             <a:r>
               <a:rPr lang="en-US" sz="2400" b="1" dirty="0" smtClean="0">
                 <a:solidFill>
-                  <a:schemeClr val="bg1"/>
+                  <a:srgbClr val="000066"/>
                 </a:solidFill>
                 <a:latin typeface="Calibri" panose="020F0502020204030204" pitchFamily="34" charset="0"/>
               </a:rPr>
@@ -2959,7 +6286,7 @@
             <a:r>
               <a:rPr lang="en-US" sz="2400" b="1" dirty="0">
                 <a:solidFill>
-                  <a:schemeClr val="bg1"/>
+                  <a:srgbClr val="000066"/>
                 </a:solidFill>
                 <a:latin typeface="Calibri" panose="020F0502020204030204" pitchFamily="34" charset="0"/>
               </a:rPr>
@@ -3069,9 +6396,245 @@
 </p:sld>
 </file>
 
+<file path=ppt/slides/slide20.xml><?xml version="1.0" encoding="utf-8"?>
+<p:sld xmlns:a="http://schemas.openxmlformats.org/drawingml/2006/main" xmlns:r="http://schemas.openxmlformats.org/officeDocument/2006/relationships" xmlns:p="http://schemas.openxmlformats.org/presentationml/2006/main">
+  <p:cSld>
+    <p:bg>
+      <p:bgPr>
+        <a:solidFill>
+          <a:srgbClr val="CCF6F8"/>
+        </a:solidFill>
+        <a:effectLst/>
+      </p:bgPr>
+    </p:bg>
+    <p:spTree>
+      <p:nvGrpSpPr>
+        <p:cNvPr id="1" name=""/>
+        <p:cNvGrpSpPr/>
+        <p:nvPr/>
+      </p:nvGrpSpPr>
+      <p:grpSpPr>
+        <a:xfrm>
+          <a:off x="0" y="0"/>
+          <a:ext cx="0" cy="0"/>
+          <a:chOff x="0" y="0"/>
+          <a:chExt cx="0" cy="0"/>
+        </a:xfrm>
+      </p:grpSpPr>
+      <p:sp>
+        <p:nvSpPr>
+          <p:cNvPr id="2" name="Slide Number Placeholder 1"/>
+          <p:cNvSpPr>
+            <a:spLocks noGrp="1"/>
+          </p:cNvSpPr>
+          <p:nvPr>
+            <p:ph type="sldNum" idx="12"/>
+          </p:nvPr>
+        </p:nvSpPr>
+        <p:spPr/>
+        <p:txBody>
+          <a:bodyPr/>
+          <a:lstStyle/>
+          <a:p>
+            <a:pPr lvl="0" rtl="0">
+              <a:spcBef>
+                <a:spcPts val="0"/>
+              </a:spcBef>
+              <a:buNone/>
+            </a:pPr>
+            <a:fld id="{00000000-1234-1234-1234-123412341234}" type="slidenum">
+              <a:rPr lang="en" smtClean="0"/>
+              <a:t>20</a:t>
+            </a:fld>
+            <a:endParaRPr lang="en"/>
+          </a:p>
+        </p:txBody>
+      </p:sp>
+      <p:pic>
+        <p:nvPicPr>
+          <p:cNvPr id="3" name="Picture 2"/>
+          <p:cNvPicPr>
+            <a:picLocks noChangeAspect="1"/>
+          </p:cNvPicPr>
+          <p:nvPr/>
+        </p:nvPicPr>
+        <p:blipFill>
+          <a:blip r:embed="rId2">
+            <a:extLst>
+              <a:ext uri="{28A0092B-C50C-407E-A947-70E740481C1C}">
+                <a14:useLocalDpi xmlns:a14="http://schemas.microsoft.com/office/drawing/2010/main" val="0"/>
+              </a:ext>
+            </a:extLst>
+          </a:blip>
+          <a:stretch>
+            <a:fillRect/>
+          </a:stretch>
+        </p:blipFill>
+        <p:spPr>
+          <a:xfrm>
+            <a:off x="1012675" y="711906"/>
+            <a:ext cx="4511624" cy="2175247"/>
+          </a:xfrm>
+          <a:prstGeom prst="rect">
+            <a:avLst/>
+          </a:prstGeom>
+        </p:spPr>
+      </p:pic>
+      <p:pic>
+        <p:nvPicPr>
+          <p:cNvPr id="4" name="Picture 3"/>
+          <p:cNvPicPr>
+            <a:picLocks noChangeAspect="1"/>
+          </p:cNvPicPr>
+          <p:nvPr/>
+        </p:nvPicPr>
+        <p:blipFill>
+          <a:blip r:embed="rId3">
+            <a:extLst>
+              <a:ext uri="{28A0092B-C50C-407E-A947-70E740481C1C}">
+                <a14:useLocalDpi xmlns:a14="http://schemas.microsoft.com/office/drawing/2010/main" val="0"/>
+              </a:ext>
+            </a:extLst>
+          </a:blip>
+          <a:stretch>
+            <a:fillRect/>
+          </a:stretch>
+        </p:blipFill>
+        <p:spPr>
+          <a:xfrm>
+            <a:off x="1012675" y="3082637"/>
+            <a:ext cx="4511624" cy="1752924"/>
+          </a:xfrm>
+          <a:prstGeom prst="rect">
+            <a:avLst/>
+          </a:prstGeom>
+        </p:spPr>
+      </p:pic>
+      <p:sp>
+        <p:nvSpPr>
+          <p:cNvPr id="5" name="TextBox 4"/>
+          <p:cNvSpPr txBox="1"/>
+          <p:nvPr/>
+        </p:nvSpPr>
+        <p:spPr>
+          <a:xfrm>
+            <a:off x="5874325" y="1139053"/>
+            <a:ext cx="2694709" cy="307777"/>
+          </a:xfrm>
+          <a:prstGeom prst="rect">
+            <a:avLst/>
+          </a:prstGeom>
+          <a:noFill/>
+        </p:spPr>
+        <p:txBody>
+          <a:bodyPr wrap="square" rtlCol="0">
+            <a:spAutoFit/>
+          </a:bodyPr>
+          <a:lstStyle/>
+          <a:p>
+            <a:r>
+              <a:rPr lang="tr-TR" dirty="0" smtClean="0"/>
+              <a:t>Test on traning</a:t>
+            </a:r>
+            <a:endParaRPr lang="tr-TR" dirty="0"/>
+          </a:p>
+        </p:txBody>
+      </p:sp>
+      <p:sp>
+        <p:nvSpPr>
+          <p:cNvPr id="6" name="TextBox 5"/>
+          <p:cNvSpPr txBox="1"/>
+          <p:nvPr/>
+        </p:nvSpPr>
+        <p:spPr>
+          <a:xfrm>
+            <a:off x="5874326" y="3408218"/>
+            <a:ext cx="2694709" cy="307777"/>
+          </a:xfrm>
+          <a:prstGeom prst="rect">
+            <a:avLst/>
+          </a:prstGeom>
+          <a:noFill/>
+        </p:spPr>
+        <p:txBody>
+          <a:bodyPr wrap="square" rtlCol="0">
+            <a:spAutoFit/>
+          </a:bodyPr>
+          <a:lstStyle/>
+          <a:p>
+            <a:r>
+              <a:rPr lang="tr-TR" dirty="0" smtClean="0"/>
+              <a:t>Training 60% Test 40%</a:t>
+            </a:r>
+            <a:endParaRPr lang="tr-TR" dirty="0"/>
+          </a:p>
+        </p:txBody>
+      </p:sp>
+      <p:sp>
+        <p:nvSpPr>
+          <p:cNvPr id="7" name="TextBox 6"/>
+          <p:cNvSpPr txBox="1"/>
+          <p:nvPr/>
+        </p:nvSpPr>
+        <p:spPr>
+          <a:xfrm>
+            <a:off x="877472" y="125691"/>
+            <a:ext cx="2694709" cy="400110"/>
+          </a:xfrm>
+          <a:prstGeom prst="rect">
+            <a:avLst/>
+          </a:prstGeom>
+          <a:noFill/>
+        </p:spPr>
+        <p:txBody>
+          <a:bodyPr wrap="square" rtlCol="0">
+            <a:spAutoFit/>
+          </a:bodyPr>
+          <a:lstStyle/>
+          <a:p>
+            <a:r>
+              <a:rPr lang="tr-TR" sz="2000" b="1" dirty="0" smtClean="0">
+                <a:latin typeface="Calibri" panose="020F0502020204030204" pitchFamily="34" charset="0"/>
+              </a:rPr>
+              <a:t>SVM Results</a:t>
+            </a:r>
+            <a:endParaRPr lang="tr-TR" sz="2000" b="1" dirty="0">
+              <a:latin typeface="Calibri" panose="020F0502020204030204" pitchFamily="34" charset="0"/>
+            </a:endParaRPr>
+          </a:p>
+        </p:txBody>
+      </p:sp>
+    </p:spTree>
+    <p:extLst>
+      <p:ext uri="{BB962C8B-B14F-4D97-AF65-F5344CB8AC3E}">
+        <p14:creationId xmlns:p14="http://schemas.microsoft.com/office/powerpoint/2010/main" val="1162011850"/>
+      </p:ext>
+    </p:extLst>
+  </p:cSld>
+  <p:clrMapOvr>
+    <a:masterClrMapping/>
+  </p:clrMapOvr>
+  <p:timing>
+    <p:tnLst>
+      <p:par>
+        <p:cTn id="1" dur="indefinite" restart="never" nodeType="tmRoot"/>
+      </p:par>
+    </p:tnLst>
+  </p:timing>
+</p:sld>
+</file>
+
 <file path=ppt/slides/slide3.xml><?xml version="1.0" encoding="utf-8"?>
 <p:sld xmlns:a="http://schemas.openxmlformats.org/drawingml/2006/main" xmlns:r="http://schemas.openxmlformats.org/officeDocument/2006/relationships" xmlns:p="http://schemas.openxmlformats.org/presentationml/2006/main">
   <p:cSld>
+    <p:bg>
+      <p:bgPr>
+        <a:solidFill>
+          <a:srgbClr val="CCF6F8"/>
+        </a:solidFill>
+        <a:effectLst/>
+      </p:bgPr>
+    </p:bg>
     <p:spTree>
       <p:nvGrpSpPr>
         <p:cNvPr id="1" name=""/>
@@ -3110,7 +6673,7 @@
             <a:r>
               <a:rPr lang="en-US" sz="2400" b="1" dirty="0">
                 <a:solidFill>
-                  <a:schemeClr val="bg1"/>
+                  <a:srgbClr val="000066"/>
                 </a:solidFill>
                 <a:latin typeface="Calibri" panose="020F0502020204030204" pitchFamily="34" charset="0"/>
                 <a:cs typeface="Calibri" panose="020F0502020204030204" pitchFamily="34" charset="0"/>
@@ -3120,7 +6683,7 @@
             <a:r>
               <a:rPr lang="en-US" sz="2400" b="1" dirty="0" smtClean="0">
                 <a:solidFill>
-                  <a:schemeClr val="bg1"/>
+                  <a:srgbClr val="000066"/>
                 </a:solidFill>
                 <a:latin typeface="Calibri" panose="020F0502020204030204" pitchFamily="34" charset="0"/>
                 <a:cs typeface="Calibri" panose="020F0502020204030204" pitchFamily="34" charset="0"/>
@@ -3129,7 +6692,7 @@
             </a:r>
             <a:endParaRPr lang="tr-TR" sz="2400" b="1" dirty="0" smtClean="0">
               <a:solidFill>
-                <a:schemeClr val="bg1"/>
+                <a:srgbClr val="000066"/>
               </a:solidFill>
               <a:latin typeface="Calibri" panose="020F0502020204030204" pitchFamily="34" charset="0"/>
               <a:cs typeface="Calibri" panose="020F0502020204030204" pitchFamily="34" charset="0"/>
@@ -3139,7 +6702,7 @@
             <a:r>
               <a:rPr lang="tr-TR" sz="2400" b="1" dirty="0" smtClean="0">
                 <a:solidFill>
-                  <a:schemeClr val="bg1"/>
+                  <a:srgbClr val="000066"/>
                 </a:solidFill>
                 <a:latin typeface="Calibri" panose="020F0502020204030204" pitchFamily="34" charset="0"/>
                 <a:cs typeface="Calibri" panose="020F0502020204030204" pitchFamily="34" charset="0"/>
@@ -3149,7 +6712,7 @@
             <a:r>
               <a:rPr lang="en-US" sz="2400" b="1" dirty="0" smtClean="0">
                 <a:solidFill>
-                  <a:schemeClr val="bg1"/>
+                  <a:srgbClr val="000066"/>
                 </a:solidFill>
                 <a:latin typeface="Calibri" panose="020F0502020204030204" pitchFamily="34" charset="0"/>
                 <a:cs typeface="Calibri" panose="020F0502020204030204" pitchFamily="34" charset="0"/>
@@ -3159,7 +6722,7 @@
             <a:r>
               <a:rPr lang="en-US" sz="2400" b="1" dirty="0">
                 <a:solidFill>
-                  <a:schemeClr val="bg1"/>
+                  <a:srgbClr val="000066"/>
                 </a:solidFill>
                 <a:latin typeface="Calibri" panose="020F0502020204030204" pitchFamily="34" charset="0"/>
                 <a:cs typeface="Calibri" panose="020F0502020204030204" pitchFamily="34" charset="0"/>
@@ -3168,7 +6731,7 @@
             </a:r>
             <a:endParaRPr lang="tr-TR" sz="2400" b="1" dirty="0" smtClean="0">
               <a:solidFill>
-                <a:schemeClr val="bg1"/>
+                <a:srgbClr val="000066"/>
               </a:solidFill>
               <a:latin typeface="Calibri" panose="020F0502020204030204" pitchFamily="34" charset="0"/>
               <a:cs typeface="Calibri" panose="020F0502020204030204" pitchFamily="34" charset="0"/>
@@ -3178,7 +6741,7 @@
             <a:r>
               <a:rPr lang="tr-TR" sz="2400" b="1" dirty="0" smtClean="0">
                 <a:solidFill>
-                  <a:schemeClr val="bg1"/>
+                  <a:srgbClr val="000066"/>
                 </a:solidFill>
                 <a:latin typeface="Calibri" panose="020F0502020204030204" pitchFamily="34" charset="0"/>
                 <a:cs typeface="Calibri" panose="020F0502020204030204" pitchFamily="34" charset="0"/>
@@ -3188,7 +6751,7 @@
             <a:r>
               <a:rPr lang="en-US" sz="2400" b="1" dirty="0" smtClean="0">
                 <a:solidFill>
-                  <a:schemeClr val="bg1"/>
+                  <a:srgbClr val="000066"/>
                 </a:solidFill>
                 <a:latin typeface="Calibri" panose="020F0502020204030204" pitchFamily="34" charset="0"/>
                 <a:cs typeface="Calibri" panose="020F0502020204030204" pitchFamily="34" charset="0"/>
@@ -3198,7 +6761,7 @@
             <a:r>
               <a:rPr lang="en-US" sz="2400" b="1" dirty="0">
                 <a:solidFill>
-                  <a:schemeClr val="bg1"/>
+                  <a:srgbClr val="000066"/>
                 </a:solidFill>
                 <a:latin typeface="Calibri" panose="020F0502020204030204" pitchFamily="34" charset="0"/>
                 <a:cs typeface="Calibri" panose="020F0502020204030204" pitchFamily="34" charset="0"/>
@@ -3208,7 +6771,7 @@
             <a:r>
               <a:rPr lang="tr-TR" sz="2400" b="1" dirty="0" err="1" smtClean="0">
                 <a:solidFill>
-                  <a:schemeClr val="bg1"/>
+                  <a:srgbClr val="000066"/>
                 </a:solidFill>
                 <a:latin typeface="Calibri" panose="020F0502020204030204" pitchFamily="34" charset="0"/>
                 <a:cs typeface="Calibri" panose="020F0502020204030204" pitchFamily="34" charset="0"/>
@@ -3218,7 +6781,7 @@
             <a:r>
               <a:rPr lang="tr-TR" sz="2400" b="1" dirty="0" smtClean="0">
                 <a:solidFill>
-                  <a:schemeClr val="bg1"/>
+                  <a:srgbClr val="000066"/>
                 </a:solidFill>
                 <a:latin typeface="Calibri" panose="020F0502020204030204" pitchFamily="34" charset="0"/>
                 <a:cs typeface="Calibri" panose="020F0502020204030204" pitchFamily="34" charset="0"/>
@@ -3228,7 +6791,7 @@
             <a:r>
               <a:rPr lang="tr-TR" sz="2400" b="1" dirty="0" err="1" smtClean="0">
                 <a:solidFill>
-                  <a:schemeClr val="bg1"/>
+                  <a:srgbClr val="000066"/>
                 </a:solidFill>
                 <a:latin typeface="Calibri" panose="020F0502020204030204" pitchFamily="34" charset="0"/>
                 <a:cs typeface="Calibri" panose="020F0502020204030204" pitchFamily="34" charset="0"/>
@@ -3238,7 +6801,7 @@
             <a:r>
               <a:rPr lang="tr-TR" sz="2400" b="1" dirty="0" smtClean="0">
                 <a:solidFill>
-                  <a:schemeClr val="bg1"/>
+                  <a:srgbClr val="000066"/>
                 </a:solidFill>
                 <a:latin typeface="Calibri" panose="020F0502020204030204" pitchFamily="34" charset="0"/>
                 <a:cs typeface="Calibri" panose="020F0502020204030204" pitchFamily="34" charset="0"/>
@@ -3247,7 +6810,7 @@
             </a:r>
             <a:endParaRPr lang="en-US" sz="2400" b="1" dirty="0">
               <a:solidFill>
-                <a:schemeClr val="bg1"/>
+                <a:srgbClr val="000066"/>
               </a:solidFill>
               <a:latin typeface="Calibri" panose="020F0502020204030204" pitchFamily="34" charset="0"/>
               <a:cs typeface="Calibri" panose="020F0502020204030204" pitchFamily="34" charset="0"/>
@@ -3332,7 +6895,7 @@
               <a:rPr lang="en" smtClean="0"/>
               <a:t>3</a:t>
             </a:fld>
-            <a:endParaRPr lang="en"/>
+            <a:endParaRPr lang="en" dirty="0"/>
           </a:p>
         </p:txBody>
       </p:sp>
@@ -3409,8 +6972,16 @@
 </file>
 
 <file path=ppt/slides/slide4.xml><?xml version="1.0" encoding="utf-8"?>
-<p:sld xmlns:a="http://schemas.openxmlformats.org/drawingml/2006/main" xmlns:r="http://schemas.openxmlformats.org/officeDocument/2006/relationships" xmlns:p="http://schemas.openxmlformats.org/presentationml/2006/main">
+<p:sld xmlns:a="http://schemas.openxmlformats.org/drawingml/2006/main" xmlns:r="http://schemas.openxmlformats.org/officeDocument/2006/relationships" xmlns:p="http://schemas.openxmlformats.org/presentationml/2006/main" showMasterSp="0">
   <p:cSld>
+    <p:bg>
+      <p:bgPr>
+        <a:solidFill>
+          <a:srgbClr val="CCF6F8"/>
+        </a:solidFill>
+        <a:effectLst/>
+      </p:bgPr>
+    </p:bg>
     <p:spTree>
       <p:nvGrpSpPr>
         <p:cNvPr id="1" name=""/>
@@ -4014,331 +7585,14 @@
 <file path=ppt/slides/slide5.xml><?xml version="1.0" encoding="utf-8"?>
 <p:sld xmlns:a="http://schemas.openxmlformats.org/drawingml/2006/main" xmlns:r="http://schemas.openxmlformats.org/officeDocument/2006/relationships" xmlns:p="http://schemas.openxmlformats.org/presentationml/2006/main">
   <p:cSld>
-    <p:spTree>
-      <p:nvGrpSpPr>
-        <p:cNvPr id="1" name=""/>
-        <p:cNvGrpSpPr/>
-        <p:nvPr/>
-      </p:nvGrpSpPr>
-      <p:grpSpPr>
-        <a:xfrm>
-          <a:off x="0" y="0"/>
-          <a:ext cx="0" cy="0"/>
-          <a:chOff x="0" y="0"/>
-          <a:chExt cx="0" cy="0"/>
-        </a:xfrm>
-      </p:grpSpPr>
-      <p:sp>
-        <p:nvSpPr>
-          <p:cNvPr id="2" name="Slide Number Placeholder 1"/>
-          <p:cNvSpPr>
-            <a:spLocks noGrp="1"/>
-          </p:cNvSpPr>
-          <p:nvPr>
-            <p:ph type="sldNum" idx="12"/>
-          </p:nvPr>
-        </p:nvSpPr>
-        <p:spPr/>
-        <p:txBody>
-          <a:bodyPr/>
-          <a:lstStyle/>
-          <a:p>
-            <a:pPr lvl="0" rtl="0">
-              <a:spcBef>
-                <a:spcPts val="0"/>
-              </a:spcBef>
-              <a:buNone/>
-            </a:pPr>
-            <a:fld id="{00000000-1234-1234-1234-123412341234}" type="slidenum">
-              <a:rPr lang="en" smtClean="0"/>
-              <a:t>5</a:t>
-            </a:fld>
-            <a:endParaRPr lang="en" dirty="0"/>
-          </a:p>
-        </p:txBody>
-      </p:sp>
-      <p:sp>
-        <p:nvSpPr>
-          <p:cNvPr id="4" name="Metin kutusu 3"/>
-          <p:cNvSpPr txBox="1"/>
-          <p:nvPr/>
-        </p:nvSpPr>
-        <p:spPr>
-          <a:xfrm>
-            <a:off x="493159" y="146024"/>
-            <a:ext cx="7448764" cy="400110"/>
-          </a:xfrm>
-          <a:prstGeom prst="rect">
-            <a:avLst/>
-          </a:prstGeom>
-          <a:noFill/>
-        </p:spPr>
-        <p:txBody>
-          <a:bodyPr wrap="square" rtlCol="0">
-            <a:spAutoFit/>
-          </a:bodyPr>
-          <a:lstStyle/>
-          <a:p>
-            <a:r>
-              <a:rPr lang="tr-TR" sz="2000" b="1" dirty="0" err="1" smtClean="0">
-                <a:latin typeface="Calibri" panose="020F0502020204030204" pitchFamily="34" charset="0"/>
-                <a:cs typeface="Calibri" panose="020F0502020204030204" pitchFamily="34" charset="0"/>
-              </a:rPr>
-              <a:t>Feature</a:t>
-            </a:r>
-            <a:r>
-              <a:rPr lang="tr-TR" sz="2000" b="1" dirty="0" smtClean="0">
-                <a:latin typeface="Calibri" panose="020F0502020204030204" pitchFamily="34" charset="0"/>
-                <a:cs typeface="Calibri" panose="020F0502020204030204" pitchFamily="34" charset="0"/>
-              </a:rPr>
-              <a:t> </a:t>
-            </a:r>
-            <a:r>
-              <a:rPr lang="tr-TR" sz="2000" b="1" dirty="0" err="1" smtClean="0">
-                <a:latin typeface="Calibri" panose="020F0502020204030204" pitchFamily="34" charset="0"/>
-                <a:cs typeface="Calibri" panose="020F0502020204030204" pitchFamily="34" charset="0"/>
-              </a:rPr>
-              <a:t>Selection</a:t>
-            </a:r>
-            <a:endParaRPr lang="tr-TR" sz="2000" b="1" dirty="0">
-              <a:latin typeface="Calibri" panose="020F0502020204030204" pitchFamily="34" charset="0"/>
-              <a:cs typeface="Calibri" panose="020F0502020204030204" pitchFamily="34" charset="0"/>
-            </a:endParaRPr>
-          </a:p>
-        </p:txBody>
-      </p:sp>
-      <p:pic>
-        <p:nvPicPr>
-          <p:cNvPr id="8" name="Resim 7"/>
-          <p:cNvPicPr>
-            <a:picLocks noChangeAspect="1"/>
-          </p:cNvPicPr>
-          <p:nvPr/>
-        </p:nvPicPr>
-        <p:blipFill>
-          <a:blip r:embed="rId2"/>
-          <a:stretch>
-            <a:fillRect/>
-          </a:stretch>
-        </p:blipFill>
-        <p:spPr>
-          <a:xfrm>
-            <a:off x="4849402" y="727879"/>
-            <a:ext cx="3092521" cy="3608702"/>
-          </a:xfrm>
-          <a:prstGeom prst="rect">
-            <a:avLst/>
-          </a:prstGeom>
-        </p:spPr>
-      </p:pic>
-      <p:pic>
-        <p:nvPicPr>
-          <p:cNvPr id="12" name="Resim 11"/>
-          <p:cNvPicPr>
-            <a:picLocks noChangeAspect="1"/>
-          </p:cNvPicPr>
-          <p:nvPr/>
-        </p:nvPicPr>
-        <p:blipFill>
-          <a:blip r:embed="rId3"/>
-          <a:stretch>
-            <a:fillRect/>
-          </a:stretch>
-        </p:blipFill>
-        <p:spPr>
-          <a:xfrm>
-            <a:off x="368125" y="733976"/>
-            <a:ext cx="3361394" cy="3602605"/>
-          </a:xfrm>
-          <a:prstGeom prst="rect">
-            <a:avLst/>
-          </a:prstGeom>
-        </p:spPr>
-      </p:pic>
-    </p:spTree>
-    <p:extLst>
-      <p:ext uri="{BB962C8B-B14F-4D97-AF65-F5344CB8AC3E}">
-        <p14:creationId xmlns:p14="http://schemas.microsoft.com/office/powerpoint/2010/main" val="1866745009"/>
-      </p:ext>
-    </p:extLst>
-  </p:cSld>
-  <p:clrMapOvr>
-    <a:masterClrMapping/>
-  </p:clrMapOvr>
-  <p:timing>
-    <p:tnLst>
-      <p:par>
-        <p:cTn id="1" dur="indefinite" restart="never" nodeType="tmRoot"/>
-      </p:par>
-    </p:tnLst>
-  </p:timing>
-</p:sld>
-</file>
-
-<file path=ppt/slides/slide6.xml><?xml version="1.0" encoding="utf-8"?>
-<p:sld xmlns:a="http://schemas.openxmlformats.org/drawingml/2006/main" xmlns:r="http://schemas.openxmlformats.org/officeDocument/2006/relationships" xmlns:p="http://schemas.openxmlformats.org/presentationml/2006/main">
-  <p:cSld>
-    <p:spTree>
-      <p:nvGrpSpPr>
-        <p:cNvPr id="1" name=""/>
-        <p:cNvGrpSpPr/>
-        <p:nvPr/>
-      </p:nvGrpSpPr>
-      <p:grpSpPr>
-        <a:xfrm>
-          <a:off x="0" y="0"/>
-          <a:ext cx="0" cy="0"/>
-          <a:chOff x="0" y="0"/>
-          <a:chExt cx="0" cy="0"/>
-        </a:xfrm>
-      </p:grpSpPr>
-      <p:sp>
-        <p:nvSpPr>
-          <p:cNvPr id="2" name="Slide Number Placeholder 1"/>
-          <p:cNvSpPr>
-            <a:spLocks noGrp="1"/>
-          </p:cNvSpPr>
-          <p:nvPr>
-            <p:ph type="sldNum" idx="12"/>
-          </p:nvPr>
-        </p:nvSpPr>
-        <p:spPr/>
-        <p:txBody>
-          <a:bodyPr/>
-          <a:lstStyle/>
-          <a:p>
-            <a:pPr lvl="0" rtl="0">
-              <a:spcBef>
-                <a:spcPts val="0"/>
-              </a:spcBef>
-              <a:buNone/>
-            </a:pPr>
-            <a:fld id="{00000000-1234-1234-1234-123412341234}" type="slidenum">
-              <a:rPr lang="en" smtClean="0"/>
-              <a:t>6</a:t>
-            </a:fld>
-            <a:endParaRPr lang="en" dirty="0"/>
-          </a:p>
-        </p:txBody>
-      </p:sp>
-      <p:sp>
-        <p:nvSpPr>
-          <p:cNvPr id="4" name="Metin kutusu 3"/>
-          <p:cNvSpPr txBox="1"/>
-          <p:nvPr/>
-        </p:nvSpPr>
-        <p:spPr>
-          <a:xfrm>
-            <a:off x="493159" y="146024"/>
-            <a:ext cx="7448764" cy="400110"/>
-          </a:xfrm>
-          <a:prstGeom prst="rect">
-            <a:avLst/>
-          </a:prstGeom>
-          <a:noFill/>
-        </p:spPr>
-        <p:txBody>
-          <a:bodyPr wrap="square" rtlCol="0">
-            <a:spAutoFit/>
-          </a:bodyPr>
-          <a:lstStyle/>
-          <a:p>
-            <a:r>
-              <a:rPr lang="tr-TR" sz="2000" b="1" dirty="0" err="1" smtClean="0">
-                <a:latin typeface="Calibri" panose="020F0502020204030204" pitchFamily="34" charset="0"/>
-                <a:cs typeface="Calibri" panose="020F0502020204030204" pitchFamily="34" charset="0"/>
-              </a:rPr>
-              <a:t>Feature</a:t>
-            </a:r>
-            <a:r>
-              <a:rPr lang="tr-TR" sz="2000" b="1" dirty="0" smtClean="0">
-                <a:latin typeface="Calibri" panose="020F0502020204030204" pitchFamily="34" charset="0"/>
-                <a:cs typeface="Calibri" panose="020F0502020204030204" pitchFamily="34" charset="0"/>
-              </a:rPr>
-              <a:t> </a:t>
-            </a:r>
-            <a:r>
-              <a:rPr lang="tr-TR" sz="2000" b="1" dirty="0" err="1" smtClean="0">
-                <a:latin typeface="Calibri" panose="020F0502020204030204" pitchFamily="34" charset="0"/>
-                <a:cs typeface="Calibri" panose="020F0502020204030204" pitchFamily="34" charset="0"/>
-              </a:rPr>
-              <a:t>Selection</a:t>
-            </a:r>
-            <a:r>
-              <a:rPr lang="tr-TR" sz="2000" b="1" dirty="0" smtClean="0">
-                <a:latin typeface="Calibri" panose="020F0502020204030204" pitchFamily="34" charset="0"/>
-                <a:cs typeface="Calibri" panose="020F0502020204030204" pitchFamily="34" charset="0"/>
-              </a:rPr>
-              <a:t>(</a:t>
-            </a:r>
-            <a:r>
-              <a:rPr lang="tr-TR" sz="2000" b="1" dirty="0" err="1" smtClean="0">
-                <a:latin typeface="Calibri" panose="020F0502020204030204" pitchFamily="34" charset="0"/>
-                <a:cs typeface="Calibri" panose="020F0502020204030204" pitchFamily="34" charset="0"/>
-              </a:rPr>
-              <a:t>cont’d</a:t>
-            </a:r>
-            <a:r>
-              <a:rPr lang="tr-TR" sz="2000" b="1" dirty="0" smtClean="0">
-                <a:latin typeface="Calibri" panose="020F0502020204030204" pitchFamily="34" charset="0"/>
-                <a:cs typeface="Calibri" panose="020F0502020204030204" pitchFamily="34" charset="0"/>
-              </a:rPr>
-              <a:t>)</a:t>
-            </a:r>
-            <a:endParaRPr lang="tr-TR" sz="2000" b="1" dirty="0">
-              <a:latin typeface="Calibri" panose="020F0502020204030204" pitchFamily="34" charset="0"/>
-              <a:cs typeface="Calibri" panose="020F0502020204030204" pitchFamily="34" charset="0"/>
-            </a:endParaRPr>
-          </a:p>
-        </p:txBody>
-      </p:sp>
-      <p:pic>
-        <p:nvPicPr>
-          <p:cNvPr id="5" name="Resim 4"/>
-          <p:cNvPicPr>
-            <a:picLocks noChangeAspect="1"/>
-          </p:cNvPicPr>
-          <p:nvPr/>
-        </p:nvPicPr>
-        <p:blipFill>
-          <a:blip r:embed="rId2"/>
-          <a:stretch>
-            <a:fillRect/>
-          </a:stretch>
-        </p:blipFill>
-        <p:spPr>
-          <a:xfrm>
-            <a:off x="2013734" y="1326905"/>
-            <a:ext cx="4561058" cy="2183575"/>
-          </a:xfrm>
-          <a:prstGeom prst="rect">
-            <a:avLst/>
-          </a:prstGeom>
-        </p:spPr>
-      </p:pic>
-    </p:spTree>
-    <p:extLst>
-      <p:ext uri="{BB962C8B-B14F-4D97-AF65-F5344CB8AC3E}">
-        <p14:creationId xmlns:p14="http://schemas.microsoft.com/office/powerpoint/2010/main" val="2420244066"/>
-      </p:ext>
-    </p:extLst>
-  </p:cSld>
-  <p:clrMapOvr>
-    <a:masterClrMapping/>
-  </p:clrMapOvr>
-  <p:timing>
-    <p:tnLst>
-      <p:par>
-        <p:cTn id="1" dur="indefinite" restart="never" nodeType="tmRoot"/>
-      </p:par>
-    </p:tnLst>
-  </p:timing>
-</p:sld>
-</file>
-
-<file path=ppt/slides/slide7.xml><?xml version="1.0" encoding="utf-8"?>
-<p:sld xmlns:a="http://schemas.openxmlformats.org/drawingml/2006/main" xmlns:r="http://schemas.openxmlformats.org/officeDocument/2006/relationships" xmlns:p="http://schemas.openxmlformats.org/presentationml/2006/main">
-  <p:cSld>
+    <p:bg>
+      <p:bgPr>
+        <a:solidFill>
+          <a:srgbClr val="CCF6F8"/>
+        </a:solidFill>
+        <a:effectLst/>
+      </p:bgPr>
+    </p:bg>
     <p:spTree>
       <p:nvGrpSpPr>
         <p:cNvPr id="1" name=""/>
@@ -4376,7 +7630,7 @@
             </a:pPr>
             <a:fld id="{00000000-1234-1234-1234-123412341234}" type="slidenum">
               <a:rPr lang="en" smtClean="0"/>
-              <a:t>7</a:t>
+              <a:t>5</a:t>
             </a:fld>
             <a:endParaRPr lang="en" dirty="0"/>
           </a:p>
@@ -4555,9 +7809,293 @@
 </p:sld>
 </file>
 
+<file path=ppt/slides/slide6.xml><?xml version="1.0" encoding="utf-8"?>
+<p:sld xmlns:a="http://schemas.openxmlformats.org/drawingml/2006/main" xmlns:r="http://schemas.openxmlformats.org/officeDocument/2006/relationships" xmlns:p="http://schemas.openxmlformats.org/presentationml/2006/main">
+  <p:cSld>
+    <p:bg>
+      <p:bgPr>
+        <a:solidFill>
+          <a:srgbClr val="CCF6F8"/>
+        </a:solidFill>
+        <a:effectLst/>
+      </p:bgPr>
+    </p:bg>
+    <p:spTree>
+      <p:nvGrpSpPr>
+        <p:cNvPr id="1" name=""/>
+        <p:cNvGrpSpPr/>
+        <p:nvPr/>
+      </p:nvGrpSpPr>
+      <p:grpSpPr>
+        <a:xfrm>
+          <a:off x="0" y="0"/>
+          <a:ext cx="0" cy="0"/>
+          <a:chOff x="0" y="0"/>
+          <a:chExt cx="0" cy="0"/>
+        </a:xfrm>
+      </p:grpSpPr>
+      <p:sp>
+        <p:nvSpPr>
+          <p:cNvPr id="2" name="Slide Number Placeholder 1"/>
+          <p:cNvSpPr>
+            <a:spLocks noGrp="1"/>
+          </p:cNvSpPr>
+          <p:nvPr>
+            <p:ph type="sldNum" idx="12"/>
+          </p:nvPr>
+        </p:nvSpPr>
+        <p:spPr/>
+        <p:txBody>
+          <a:bodyPr/>
+          <a:lstStyle/>
+          <a:p>
+            <a:pPr lvl="0" rtl="0">
+              <a:spcBef>
+                <a:spcPts val="0"/>
+              </a:spcBef>
+              <a:buNone/>
+            </a:pPr>
+            <a:fld id="{00000000-1234-1234-1234-123412341234}" type="slidenum">
+              <a:rPr lang="en" smtClean="0"/>
+              <a:t>6</a:t>
+            </a:fld>
+            <a:endParaRPr lang="en" dirty="0"/>
+          </a:p>
+        </p:txBody>
+      </p:sp>
+      <p:pic>
+        <p:nvPicPr>
+          <p:cNvPr id="3" name="Resim 2"/>
+          <p:cNvPicPr>
+            <a:picLocks noChangeAspect="1"/>
+          </p:cNvPicPr>
+          <p:nvPr/>
+        </p:nvPicPr>
+        <p:blipFill>
+          <a:blip r:embed="rId2">
+            <a:extLst>
+              <a:ext uri="{28A0092B-C50C-407E-A947-70E740481C1C}">
+                <a14:useLocalDpi xmlns:a14="http://schemas.microsoft.com/office/drawing/2010/main" val="0"/>
+              </a:ext>
+            </a:extLst>
+          </a:blip>
+          <a:stretch>
+            <a:fillRect/>
+          </a:stretch>
+        </p:blipFill>
+        <p:spPr>
+          <a:xfrm>
+            <a:off x="1296722" y="782783"/>
+            <a:ext cx="6182602" cy="3767524"/>
+          </a:xfrm>
+          <a:prstGeom prst="rect">
+            <a:avLst/>
+          </a:prstGeom>
+        </p:spPr>
+      </p:pic>
+      <p:sp>
+        <p:nvSpPr>
+          <p:cNvPr id="4" name="TextBox 3"/>
+          <p:cNvSpPr txBox="1"/>
+          <p:nvPr/>
+        </p:nvSpPr>
+        <p:spPr>
+          <a:xfrm>
+            <a:off x="479088" y="172259"/>
+            <a:ext cx="3858491" cy="400110"/>
+          </a:xfrm>
+          <a:prstGeom prst="rect">
+            <a:avLst/>
+          </a:prstGeom>
+          <a:noFill/>
+        </p:spPr>
+        <p:txBody>
+          <a:bodyPr wrap="square" rtlCol="0">
+            <a:spAutoFit/>
+          </a:bodyPr>
+          <a:lstStyle/>
+          <a:p>
+            <a:r>
+              <a:rPr lang="tr-TR" sz="2000" b="1" dirty="0" smtClean="0">
+                <a:latin typeface="Calibri" panose="020F0502020204030204" pitchFamily="34" charset="0"/>
+              </a:rPr>
+              <a:t>Class Distribution</a:t>
+            </a:r>
+            <a:endParaRPr lang="tr-TR" sz="2000" b="1" dirty="0">
+              <a:latin typeface="Calibri" panose="020F0502020204030204" pitchFamily="34" charset="0"/>
+            </a:endParaRPr>
+          </a:p>
+        </p:txBody>
+      </p:sp>
+    </p:spTree>
+    <p:extLst>
+      <p:ext uri="{BB962C8B-B14F-4D97-AF65-F5344CB8AC3E}">
+        <p14:creationId xmlns:p14="http://schemas.microsoft.com/office/powerpoint/2010/main" val="3744990543"/>
+      </p:ext>
+    </p:extLst>
+  </p:cSld>
+  <p:clrMapOvr>
+    <a:masterClrMapping/>
+  </p:clrMapOvr>
+  <p:timing>
+    <p:tnLst>
+      <p:par>
+        <p:cTn id="1" dur="indefinite" restart="never" nodeType="tmRoot"/>
+      </p:par>
+    </p:tnLst>
+  </p:timing>
+</p:sld>
+</file>
+
+<file path=ppt/slides/slide7.xml><?xml version="1.0" encoding="utf-8"?>
+<p:sld xmlns:a="http://schemas.openxmlformats.org/drawingml/2006/main" xmlns:r="http://schemas.openxmlformats.org/officeDocument/2006/relationships" xmlns:p="http://schemas.openxmlformats.org/presentationml/2006/main">
+  <p:cSld>
+    <p:bg>
+      <p:bgPr>
+        <a:solidFill>
+          <a:srgbClr val="CCF6F8"/>
+        </a:solidFill>
+        <a:effectLst/>
+      </p:bgPr>
+    </p:bg>
+    <p:spTree>
+      <p:nvGrpSpPr>
+        <p:cNvPr id="1" name=""/>
+        <p:cNvGrpSpPr/>
+        <p:nvPr/>
+      </p:nvGrpSpPr>
+      <p:grpSpPr>
+        <a:xfrm>
+          <a:off x="0" y="0"/>
+          <a:ext cx="0" cy="0"/>
+          <a:chOff x="0" y="0"/>
+          <a:chExt cx="0" cy="0"/>
+        </a:xfrm>
+      </p:grpSpPr>
+      <p:sp>
+        <p:nvSpPr>
+          <p:cNvPr id="2" name="Slide Number Placeholder 1"/>
+          <p:cNvSpPr>
+            <a:spLocks noGrp="1"/>
+          </p:cNvSpPr>
+          <p:nvPr>
+            <p:ph type="sldNum" idx="12"/>
+          </p:nvPr>
+        </p:nvSpPr>
+        <p:spPr/>
+        <p:txBody>
+          <a:bodyPr/>
+          <a:lstStyle/>
+          <a:p>
+            <a:pPr lvl="0" rtl="0">
+              <a:spcBef>
+                <a:spcPts val="0"/>
+              </a:spcBef>
+              <a:buNone/>
+            </a:pPr>
+            <a:fld id="{00000000-1234-1234-1234-123412341234}" type="slidenum">
+              <a:rPr lang="en" smtClean="0"/>
+              <a:t>7</a:t>
+            </a:fld>
+            <a:endParaRPr lang="en" dirty="0"/>
+          </a:p>
+        </p:txBody>
+      </p:sp>
+      <p:sp>
+        <p:nvSpPr>
+          <p:cNvPr id="4" name="TextBox 3"/>
+          <p:cNvSpPr txBox="1"/>
+          <p:nvPr/>
+        </p:nvSpPr>
+        <p:spPr>
+          <a:xfrm>
+            <a:off x="479088" y="172259"/>
+            <a:ext cx="3858491" cy="400110"/>
+          </a:xfrm>
+          <a:prstGeom prst="rect">
+            <a:avLst/>
+          </a:prstGeom>
+          <a:noFill/>
+        </p:spPr>
+        <p:txBody>
+          <a:bodyPr wrap="square" rtlCol="0">
+            <a:spAutoFit/>
+          </a:bodyPr>
+          <a:lstStyle/>
+          <a:p>
+            <a:r>
+              <a:rPr lang="tr-TR" sz="2000" b="1" dirty="0" smtClean="0">
+                <a:latin typeface="Calibri" panose="020F0502020204030204" pitchFamily="34" charset="0"/>
+              </a:rPr>
+              <a:t>Attributes List of Word</a:t>
+            </a:r>
+            <a:endParaRPr lang="tr-TR" sz="2000" b="1" dirty="0">
+              <a:latin typeface="Calibri" panose="020F0502020204030204" pitchFamily="34" charset="0"/>
+            </a:endParaRPr>
+          </a:p>
+        </p:txBody>
+      </p:sp>
+      <p:pic>
+        <p:nvPicPr>
+          <p:cNvPr id="5" name="Picture 4"/>
+          <p:cNvPicPr>
+            <a:picLocks noChangeAspect="1"/>
+          </p:cNvPicPr>
+          <p:nvPr/>
+        </p:nvPicPr>
+        <p:blipFill>
+          <a:blip r:embed="rId2">
+            <a:extLst>
+              <a:ext uri="{28A0092B-C50C-407E-A947-70E740481C1C}">
+                <a14:useLocalDpi xmlns:a14="http://schemas.microsoft.com/office/drawing/2010/main" val="0"/>
+              </a:ext>
+            </a:extLst>
+          </a:blip>
+          <a:stretch>
+            <a:fillRect/>
+          </a:stretch>
+        </p:blipFill>
+        <p:spPr>
+          <a:xfrm>
+            <a:off x="2129565" y="598604"/>
+            <a:ext cx="5189670" cy="4176122"/>
+          </a:xfrm>
+          <a:prstGeom prst="rect">
+            <a:avLst/>
+          </a:prstGeom>
+        </p:spPr>
+      </p:pic>
+    </p:spTree>
+    <p:extLst>
+      <p:ext uri="{BB962C8B-B14F-4D97-AF65-F5344CB8AC3E}">
+        <p14:creationId xmlns:p14="http://schemas.microsoft.com/office/powerpoint/2010/main" val="2680443914"/>
+      </p:ext>
+    </p:extLst>
+  </p:cSld>
+  <p:clrMapOvr>
+    <a:masterClrMapping/>
+  </p:clrMapOvr>
+  <p:timing>
+    <p:tnLst>
+      <p:par>
+        <p:cTn id="1" dur="indefinite" restart="never" nodeType="tmRoot"/>
+      </p:par>
+    </p:tnLst>
+  </p:timing>
+</p:sld>
+</file>
+
 <file path=ppt/slides/slide8.xml><?xml version="1.0" encoding="utf-8"?>
 <p:sld xmlns:a="http://schemas.openxmlformats.org/drawingml/2006/main" xmlns:r="http://schemas.openxmlformats.org/officeDocument/2006/relationships" xmlns:p="http://schemas.openxmlformats.org/presentationml/2006/main">
   <p:cSld>
+    <p:bg>
+      <p:bgPr>
+        <a:solidFill>
+          <a:srgbClr val="CCF6F8"/>
+        </a:solidFill>
+        <a:effectLst/>
+      </p:bgPr>
+    </p:bg>
     <p:spTree>
       <p:nvGrpSpPr>
         <p:cNvPr id="1" name=""/>
@@ -4601,30 +8139,58 @@
           </a:p>
         </p:txBody>
       </p:sp>
+      <p:sp>
+        <p:nvSpPr>
+          <p:cNvPr id="3" name="TextBox 2"/>
+          <p:cNvSpPr txBox="1"/>
+          <p:nvPr/>
+        </p:nvSpPr>
+        <p:spPr>
+          <a:xfrm>
+            <a:off x="479088" y="172259"/>
+            <a:ext cx="3858491" cy="400110"/>
+          </a:xfrm>
+          <a:prstGeom prst="rect">
+            <a:avLst/>
+          </a:prstGeom>
+          <a:noFill/>
+        </p:spPr>
+        <p:txBody>
+          <a:bodyPr wrap="square" rtlCol="0">
+            <a:spAutoFit/>
+          </a:bodyPr>
+          <a:lstStyle/>
+          <a:p>
+            <a:r>
+              <a:rPr lang="tr-TR" sz="2000" b="1" dirty="0" smtClean="0">
+                <a:latin typeface="Calibri" panose="020F0502020204030204" pitchFamily="34" charset="0"/>
+              </a:rPr>
+              <a:t>Attributes List of Tweet</a:t>
+            </a:r>
+            <a:endParaRPr lang="tr-TR" sz="2000" b="1" dirty="0">
+              <a:latin typeface="Calibri" panose="020F0502020204030204" pitchFamily="34" charset="0"/>
+            </a:endParaRPr>
+          </a:p>
+        </p:txBody>
+      </p:sp>
       <p:pic>
         <p:nvPicPr>
-          <p:cNvPr id="3" name="Picture 2"/>
+          <p:cNvPr id="4" name="Picture 3"/>
           <p:cNvPicPr>
             <a:picLocks noChangeAspect="1"/>
           </p:cNvPicPr>
           <p:nvPr/>
         </p:nvPicPr>
         <p:blipFill>
-          <a:blip r:embed="rId2">
-            <a:extLst>
-              <a:ext uri="{28A0092B-C50C-407E-A947-70E740481C1C}">
-                <a14:useLocalDpi xmlns:a14="http://schemas.microsoft.com/office/drawing/2010/main" val="0"/>
-              </a:ext>
-            </a:extLst>
-          </a:blip>
+          <a:blip r:embed="rId2"/>
           <a:stretch>
             <a:fillRect/>
           </a:stretch>
         </p:blipFill>
         <p:spPr>
           <a:xfrm>
-            <a:off x="2076233" y="430344"/>
-            <a:ext cx="4991533" cy="4282811"/>
+            <a:off x="1377045" y="1398824"/>
+            <a:ext cx="6493203" cy="2464811"/>
           </a:xfrm>
           <a:prstGeom prst="rect">
             <a:avLst/>
@@ -4634,7 +8200,7 @@
     </p:spTree>
     <p:extLst>
       <p:ext uri="{BB962C8B-B14F-4D97-AF65-F5344CB8AC3E}">
-        <p14:creationId xmlns:p14="http://schemas.microsoft.com/office/powerpoint/2010/main" val="2319023062"/>
+        <p14:creationId xmlns:p14="http://schemas.microsoft.com/office/powerpoint/2010/main" val="2636026013"/>
       </p:ext>
     </p:extLst>
   </p:cSld>
@@ -4654,6 +8220,14 @@
 <file path=ppt/slides/slide9.xml><?xml version="1.0" encoding="utf-8"?>
 <p:sld xmlns:a="http://schemas.openxmlformats.org/drawingml/2006/main" xmlns:r="http://schemas.openxmlformats.org/officeDocument/2006/relationships" xmlns:p="http://schemas.openxmlformats.org/presentationml/2006/main">
   <p:cSld>
+    <p:bg>
+      <p:bgPr>
+        <a:solidFill>
+          <a:srgbClr val="CCF6F8"/>
+        </a:solidFill>
+        <a:effectLst/>
+      </p:bgPr>
+    </p:bg>
     <p:spTree>
       <p:nvGrpSpPr>
         <p:cNvPr id="1" name=""/>
@@ -4693,7 +8267,7 @@
               <a:rPr lang="en" smtClean="0"/>
               <a:t>9</a:t>
             </a:fld>
-            <a:endParaRPr lang="en"/>
+            <a:endParaRPr lang="en" dirty="0"/>
           </a:p>
         </p:txBody>
       </p:sp>
@@ -4706,31 +8280,88 @@
           <p:nvPr/>
         </p:nvPicPr>
         <p:blipFill>
-          <a:blip r:embed="rId2">
-            <a:extLst>
-              <a:ext uri="{28A0092B-C50C-407E-A947-70E740481C1C}">
-                <a14:useLocalDpi xmlns:a14="http://schemas.microsoft.com/office/drawing/2010/main" val="0"/>
-              </a:ext>
-            </a:extLst>
-          </a:blip>
+          <a:blip r:embed="rId2"/>
           <a:stretch>
             <a:fillRect/>
           </a:stretch>
         </p:blipFill>
         <p:spPr>
           <a:xfrm>
-            <a:off x="2087664" y="921877"/>
-            <a:ext cx="4968671" cy="3299746"/>
+            <a:off x="4777532" y="263235"/>
+            <a:ext cx="2780554" cy="4717473"/>
           </a:xfrm>
           <a:prstGeom prst="rect">
             <a:avLst/>
           </a:prstGeom>
         </p:spPr>
       </p:pic>
+      <p:pic>
+        <p:nvPicPr>
+          <p:cNvPr id="4" name="Picture 3"/>
+          <p:cNvPicPr>
+            <a:picLocks noChangeAspect="1"/>
+          </p:cNvPicPr>
+          <p:nvPr/>
+        </p:nvPicPr>
+        <p:blipFill>
+          <a:blip r:embed="rId3"/>
+          <a:stretch>
+            <a:fillRect/>
+          </a:stretch>
+        </p:blipFill>
+        <p:spPr>
+          <a:xfrm>
+            <a:off x="1012675" y="1398824"/>
+            <a:ext cx="3019425" cy="2181225"/>
+          </a:xfrm>
+          <a:prstGeom prst="rect">
+            <a:avLst/>
+          </a:prstGeom>
+        </p:spPr>
+      </p:pic>
+      <p:sp>
+        <p:nvSpPr>
+          <p:cNvPr id="5" name="Rectangle 4"/>
+          <p:cNvSpPr/>
+          <p:nvPr/>
+        </p:nvSpPr>
+        <p:spPr>
+          <a:xfrm>
+            <a:off x="714552" y="201135"/>
+            <a:ext cx="1749197" cy="400110"/>
+          </a:xfrm>
+          <a:prstGeom prst="rect">
+            <a:avLst/>
+          </a:prstGeom>
+        </p:spPr>
+        <p:txBody>
+          <a:bodyPr wrap="none">
+            <a:spAutoFit/>
+          </a:bodyPr>
+          <a:lstStyle/>
+          <a:p>
+            <a:r>
+              <a:rPr lang="tr-TR" sz="2000" b="1" dirty="0">
+                <a:latin typeface="Calibri" panose="020F0502020204030204" pitchFamily="34" charset="0"/>
+              </a:rPr>
+              <a:t>A</a:t>
+            </a:r>
+            <a:r>
+              <a:rPr lang="tr-TR" sz="2000" b="1" dirty="0" smtClean="0">
+                <a:latin typeface="Calibri" panose="020F0502020204030204" pitchFamily="34" charset="0"/>
+              </a:rPr>
+              <a:t>ttribute Stats</a:t>
+            </a:r>
+            <a:endParaRPr lang="tr-TR" sz="2000" b="1" dirty="0">
+              <a:latin typeface="Calibri" panose="020F0502020204030204" pitchFamily="34" charset="0"/>
+            </a:endParaRPr>
+          </a:p>
+        </p:txBody>
+      </p:sp>
     </p:spTree>
     <p:extLst>
       <p:ext uri="{BB962C8B-B14F-4D97-AF65-F5344CB8AC3E}">
-        <p14:creationId xmlns:p14="http://schemas.microsoft.com/office/powerpoint/2010/main" val="2380765020"/>
+        <p14:creationId xmlns:p14="http://schemas.microsoft.com/office/powerpoint/2010/main" val="3687375859"/>
       </p:ext>
     </p:extLst>
   </p:cSld>
